--- a/ws_week12/SlideImages.pptx
+++ b/ws_week12/SlideImages.pptx
@@ -5,9 +5,8 @@
     <p:sldMasterId id="2147483648" r:id="rId4"/>
   </p:sldMasterIdLst>
   <p:sldIdLst>
-    <p:sldId id="262" r:id="rId5"/>
-    <p:sldId id="261" r:id="rId6"/>
-    <p:sldId id="263" r:id="rId7"/>
+    <p:sldId id="263" r:id="rId5"/>
+    <p:sldId id="264" r:id="rId6"/>
   </p:sldIdLst>
   <p:sldSz cx="12192000" cy="6858000"/>
   <p:notesSz cx="6858000" cy="9144000"/>
@@ -274,7 +273,7 @@
           <a:p>
             <a:fld id="{BE6130FC-7C40-4376-B5FF-ECFF1449EF6C}" type="datetimeFigureOut">
               <a:rPr lang="en-AU" smtClean="0"/>
-              <a:t>26/05/2020</a:t>
+              <a:t>1/06/2020</a:t>
             </a:fld>
             <a:endParaRPr lang="en-AU"/>
           </a:p>
@@ -474,7 +473,7 @@
           <a:p>
             <a:fld id="{BE6130FC-7C40-4376-B5FF-ECFF1449EF6C}" type="datetimeFigureOut">
               <a:rPr lang="en-AU" smtClean="0"/>
-              <a:t>26/05/2020</a:t>
+              <a:t>1/06/2020</a:t>
             </a:fld>
             <a:endParaRPr lang="en-AU"/>
           </a:p>
@@ -684,7 +683,7 @@
           <a:p>
             <a:fld id="{BE6130FC-7C40-4376-B5FF-ECFF1449EF6C}" type="datetimeFigureOut">
               <a:rPr lang="en-AU" smtClean="0"/>
-              <a:t>26/05/2020</a:t>
+              <a:t>1/06/2020</a:t>
             </a:fld>
             <a:endParaRPr lang="en-AU"/>
           </a:p>
@@ -884,7 +883,7 @@
           <a:p>
             <a:fld id="{BE6130FC-7C40-4376-B5FF-ECFF1449EF6C}" type="datetimeFigureOut">
               <a:rPr lang="en-AU" smtClean="0"/>
-              <a:t>26/05/2020</a:t>
+              <a:t>1/06/2020</a:t>
             </a:fld>
             <a:endParaRPr lang="en-AU"/>
           </a:p>
@@ -1160,7 +1159,7 @@
           <a:p>
             <a:fld id="{BE6130FC-7C40-4376-B5FF-ECFF1449EF6C}" type="datetimeFigureOut">
               <a:rPr lang="en-AU" smtClean="0"/>
-              <a:t>26/05/2020</a:t>
+              <a:t>1/06/2020</a:t>
             </a:fld>
             <a:endParaRPr lang="en-AU"/>
           </a:p>
@@ -1428,7 +1427,7 @@
           <a:p>
             <a:fld id="{BE6130FC-7C40-4376-B5FF-ECFF1449EF6C}" type="datetimeFigureOut">
               <a:rPr lang="en-AU" smtClean="0"/>
-              <a:t>26/05/2020</a:t>
+              <a:t>1/06/2020</a:t>
             </a:fld>
             <a:endParaRPr lang="en-AU"/>
           </a:p>
@@ -1843,7 +1842,7 @@
           <a:p>
             <a:fld id="{BE6130FC-7C40-4376-B5FF-ECFF1449EF6C}" type="datetimeFigureOut">
               <a:rPr lang="en-AU" smtClean="0"/>
-              <a:t>26/05/2020</a:t>
+              <a:t>1/06/2020</a:t>
             </a:fld>
             <a:endParaRPr lang="en-AU"/>
           </a:p>
@@ -1985,7 +1984,7 @@
           <a:p>
             <a:fld id="{BE6130FC-7C40-4376-B5FF-ECFF1449EF6C}" type="datetimeFigureOut">
               <a:rPr lang="en-AU" smtClean="0"/>
-              <a:t>26/05/2020</a:t>
+              <a:t>1/06/2020</a:t>
             </a:fld>
             <a:endParaRPr lang="en-AU"/>
           </a:p>
@@ -2098,7 +2097,7 @@
           <a:p>
             <a:fld id="{BE6130FC-7C40-4376-B5FF-ECFF1449EF6C}" type="datetimeFigureOut">
               <a:rPr lang="en-AU" smtClean="0"/>
-              <a:t>26/05/2020</a:t>
+              <a:t>1/06/2020</a:t>
             </a:fld>
             <a:endParaRPr lang="en-AU"/>
           </a:p>
@@ -2411,7 +2410,7 @@
           <a:p>
             <a:fld id="{BE6130FC-7C40-4376-B5FF-ECFF1449EF6C}" type="datetimeFigureOut">
               <a:rPr lang="en-AU" smtClean="0"/>
-              <a:t>26/05/2020</a:t>
+              <a:t>1/06/2020</a:t>
             </a:fld>
             <a:endParaRPr lang="en-AU"/>
           </a:p>
@@ -2700,7 +2699,7 @@
           <a:p>
             <a:fld id="{BE6130FC-7C40-4376-B5FF-ECFF1449EF6C}" type="datetimeFigureOut">
               <a:rPr lang="en-AU" smtClean="0"/>
-              <a:t>26/05/2020</a:t>
+              <a:t>1/06/2020</a:t>
             </a:fld>
             <a:endParaRPr lang="en-AU"/>
           </a:p>
@@ -2943,7 +2942,7 @@
           <a:p>
             <a:fld id="{BE6130FC-7C40-4376-B5FF-ECFF1449EF6C}" type="datetimeFigureOut">
               <a:rPr lang="en-AU" smtClean="0"/>
-              <a:t>26/05/2020</a:t>
+              <a:t>1/06/2020</a:t>
             </a:fld>
             <a:endParaRPr lang="en-AU"/>
           </a:p>
@@ -3360,56 +3359,55 @@
           <a:chExt cx="0" cy="0"/>
         </a:xfrm>
       </p:grpSpPr>
-      <p:cxnSp>
-        <p:nvCxnSpPr>
-          <p:cNvPr id="21" name="Straight Arrow Connector 20">
-            <a:extLst>
-              <a:ext uri="{FF2B5EF4-FFF2-40B4-BE49-F238E27FC236}">
-                <a16:creationId xmlns:a16="http://schemas.microsoft.com/office/drawing/2014/main" id="{326C527D-CD2B-4A04-8E01-24AEFB710778}"/>
-              </a:ext>
-            </a:extLst>
-          </p:cNvPr>
-          <p:cNvCxnSpPr>
-            <a:cxnSpLocks/>
-          </p:cNvCxnSpPr>
+      <p:pic>
+        <p:nvPicPr>
+          <p:cNvPr id="2" name="Picture 1">
+            <a:extLst>
+              <a:ext uri="{FF2B5EF4-FFF2-40B4-BE49-F238E27FC236}">
+                <a16:creationId xmlns:a16="http://schemas.microsoft.com/office/drawing/2014/main" id="{424A1095-DA8D-4FCC-A4DA-E3EE03468D9B}"/>
+              </a:ext>
+            </a:extLst>
+          </p:cNvPr>
+          <p:cNvPicPr>
+            <a:picLocks noChangeAspect="1"/>
+          </p:cNvPicPr>
           <p:nvPr/>
-        </p:nvCxnSpPr>
+        </p:nvPicPr>
+        <p:blipFill>
+          <a:blip r:embed="rId2"/>
+          <a:stretch>
+            <a:fillRect/>
+          </a:stretch>
+        </p:blipFill>
         <p:spPr>
-          <a:xfrm flipH="1" flipV="1">
-            <a:off x="4970820" y="2581676"/>
-            <a:ext cx="3878" cy="746567"/>
+          <a:xfrm>
+            <a:off x="2657476" y="1495425"/>
+            <a:ext cx="6637952" cy="4724758"/>
           </a:xfrm>
-          <a:prstGeom prst="straightConnector1">
+          <a:prstGeom prst="rect">
             <a:avLst/>
           </a:prstGeom>
-          <a:ln w="57150">
+          <a:ln w="9525" cap="sq">
             <a:solidFill>
-              <a:schemeClr val="accent6"/>
+              <a:srgbClr val="000000"/>
             </a:solidFill>
-            <a:tailEnd type="triangle"/>
+            <a:miter lim="800000"/>
           </a:ln>
+          <a:effectLst>
+            <a:outerShdw blurRad="57150" dist="50800" dir="2700000" algn="tl" rotWithShape="0">
+              <a:srgbClr val="000000">
+                <a:alpha val="40000"/>
+              </a:srgbClr>
+            </a:outerShdw>
+          </a:effectLst>
         </p:spPr>
-        <p:style>
-          <a:lnRef idx="1">
-            <a:schemeClr val="accent1"/>
-          </a:lnRef>
-          <a:fillRef idx="0">
-            <a:schemeClr val="accent1"/>
-          </a:fillRef>
-          <a:effectRef idx="0">
-            <a:schemeClr val="accent1"/>
-          </a:effectRef>
-          <a:fontRef idx="minor">
-            <a:schemeClr val="tx1"/>
-          </a:fontRef>
-        </p:style>
-      </p:cxnSp>
-      <p:sp>
-        <p:nvSpPr>
-          <p:cNvPr id="20" name="Rectangle 19">
-            <a:extLst>
-              <a:ext uri="{FF2B5EF4-FFF2-40B4-BE49-F238E27FC236}">
-                <a16:creationId xmlns:a16="http://schemas.microsoft.com/office/drawing/2014/main" id="{3E7275C4-270C-409D-8FF5-FFE37A943498}"/>
+      </p:pic>
+      <p:sp>
+        <p:nvSpPr>
+          <p:cNvPr id="6" name="Rectangle 5">
+            <a:extLst>
+              <a:ext uri="{FF2B5EF4-FFF2-40B4-BE49-F238E27FC236}">
+                <a16:creationId xmlns:a16="http://schemas.microsoft.com/office/drawing/2014/main" id="{AD2BF8A8-60AB-4C3A-8117-EEDF037A8535}"/>
               </a:ext>
             </a:extLst>
           </p:cNvPr>
@@ -3418,8 +3416,8 @@
         </p:nvSpPr>
         <p:spPr>
           <a:xfrm>
-            <a:off x="983915" y="3884417"/>
-            <a:ext cx="1310571" cy="369332"/>
+            <a:off x="2657476" y="637817"/>
+            <a:ext cx="6431714" cy="369332"/>
           </a:xfrm>
           <a:prstGeom prst="rect">
             <a:avLst/>
@@ -3432,28 +3430,23 @@
           <a:lstStyle/>
           <a:p>
             <a:r>
-              <a:rPr lang="en-AU" dirty="0">
+              <a:rPr lang="en-AU" b="1" dirty="0">
                 <a:solidFill>
                   <a:srgbClr val="FF0000"/>
                 </a:solidFill>
-                <a:latin typeface="JetBrains Mono ExtraBold" panose="020B0909030102050004" pitchFamily="49" charset="0"/>
+                <a:latin typeface="JetBrains Mono" panose="020B0509020102050004" pitchFamily="49" charset="0"/>
               </a:rPr>
-              <a:t>Subclass</a:t>
-            </a:r>
-            <a:endParaRPr lang="en-AU" dirty="0">
-              <a:solidFill>
-                <a:srgbClr val="FF0000"/>
-              </a:solidFill>
-            </a:endParaRPr>
-          </a:p>
-        </p:txBody>
-      </p:sp>
-      <p:sp>
-        <p:nvSpPr>
-          <p:cNvPr id="22" name="Rectangle 21">
-            <a:extLst>
-              <a:ext uri="{FF2B5EF4-FFF2-40B4-BE49-F238E27FC236}">
-                <a16:creationId xmlns:a16="http://schemas.microsoft.com/office/drawing/2014/main" id="{1164802A-E312-444F-B740-925355182987}"/>
+              <a:t>Windows: left-click and drag to copy text</a:t>
+            </a:r>
+          </a:p>
+        </p:txBody>
+      </p:sp>
+      <p:sp>
+        <p:nvSpPr>
+          <p:cNvPr id="7" name="Rectangle 6">
+            <a:extLst>
+              <a:ext uri="{FF2B5EF4-FFF2-40B4-BE49-F238E27FC236}">
+                <a16:creationId xmlns:a16="http://schemas.microsoft.com/office/drawing/2014/main" id="{5864D1A7-BBA5-4395-80E0-64F89E8DB83D}"/>
               </a:ext>
             </a:extLst>
           </p:cNvPr>
@@ -3462,8 +3455,8 @@
         </p:nvSpPr>
         <p:spPr>
           <a:xfrm>
-            <a:off x="773204" y="1520414"/>
-            <a:ext cx="1731991" cy="369332"/>
+            <a:off x="2657476" y="1007149"/>
+            <a:ext cx="6431714" cy="369332"/>
           </a:xfrm>
           <a:prstGeom prst="rect">
             <a:avLst/>
@@ -3476,475 +3469,45 @@
           <a:lstStyle/>
           <a:p>
             <a:r>
-              <a:rPr lang="en-AU" dirty="0">
+              <a:rPr lang="en-AU" b="1" dirty="0">
                 <a:solidFill>
                   <a:srgbClr val="FF0000"/>
                 </a:solidFill>
-                <a:latin typeface="JetBrains Mono ExtraBold" panose="020B0909030102050004" pitchFamily="49" charset="0"/>
+                <a:latin typeface="JetBrains Mono" panose="020B0509020102050004" pitchFamily="49" charset="0"/>
               </a:rPr>
-              <a:t>Superclass</a:t>
-            </a:r>
-            <a:endParaRPr lang="en-AU" dirty="0">
+              <a:t>MAC: </a:t>
+            </a:r>
+            <a:r>
+              <a:rPr lang="en-GB" b="1" dirty="0">
+                <a:solidFill>
+                  <a:srgbClr val="FF0000"/>
+                </a:solidFill>
+                <a:latin typeface="JetBrains Mono" panose="020B0509020102050004" pitchFamily="49" charset="0"/>
+              </a:rPr>
+              <a:t>select by dragging mouse, then </a:t>
+            </a:r>
+            <a:r>
+              <a:rPr lang="en-GB" b="1" dirty="0" err="1">
+                <a:solidFill>
+                  <a:srgbClr val="FF0000"/>
+                </a:solidFill>
+                <a:latin typeface="JetBrains Mono" panose="020B0509020102050004" pitchFamily="49" charset="0"/>
+              </a:rPr>
+              <a:t>cmd+C</a:t>
+            </a:r>
+            <a:endParaRPr lang="en-AU" b="1" dirty="0">
               <a:solidFill>
                 <a:srgbClr val="FF0000"/>
               </a:solidFill>
+              <a:latin typeface="JetBrains Mono" panose="020B0509020102050004" pitchFamily="49" charset="0"/>
             </a:endParaRPr>
           </a:p>
         </p:txBody>
       </p:sp>
-      <p:sp>
-        <p:nvSpPr>
-          <p:cNvPr id="14" name="Speech Bubble: Rectangle 13">
-            <a:extLst>
-              <a:ext uri="{FF2B5EF4-FFF2-40B4-BE49-F238E27FC236}">
-                <a16:creationId xmlns:a16="http://schemas.microsoft.com/office/drawing/2014/main" id="{76B71719-6D87-4311-A651-AD880477C593}"/>
-              </a:ext>
-            </a:extLst>
-          </p:cNvPr>
-          <p:cNvSpPr/>
-          <p:nvPr/>
-        </p:nvSpPr>
-        <p:spPr>
-          <a:xfrm>
-            <a:off x="8262851" y="3606330"/>
-            <a:ext cx="2945234" cy="925506"/>
-          </a:xfrm>
-          <a:prstGeom prst="wedgeRectCallout">
-            <a:avLst>
-              <a:gd name="adj1" fmla="val -83714"/>
-              <a:gd name="adj2" fmla="val -544"/>
-            </a:avLst>
-          </a:prstGeom>
-        </p:spPr>
-        <p:style>
-          <a:lnRef idx="2">
-            <a:schemeClr val="accent2">
-              <a:shade val="50000"/>
-            </a:schemeClr>
-          </a:lnRef>
-          <a:fillRef idx="1">
-            <a:schemeClr val="accent2"/>
-          </a:fillRef>
-          <a:effectRef idx="0">
-            <a:schemeClr val="accent2"/>
-          </a:effectRef>
-          <a:fontRef idx="minor">
-            <a:schemeClr val="lt1"/>
-          </a:fontRef>
-        </p:style>
-        <p:txBody>
-          <a:bodyPr rtlCol="0" anchor="ctr"/>
-          <a:lstStyle/>
-          <a:p>
-            <a:pPr algn="ctr"/>
-            <a:r>
-              <a:rPr lang="en-AU" dirty="0"/>
-              <a:t>food from superclass is set as ‘insect’ in constructor</a:t>
-            </a:r>
-          </a:p>
-        </p:txBody>
-      </p:sp>
-      <p:graphicFrame>
-        <p:nvGraphicFramePr>
-          <p:cNvPr id="9" name="Table 3">
-            <a:extLst>
-              <a:ext uri="{FF2B5EF4-FFF2-40B4-BE49-F238E27FC236}">
-                <a16:creationId xmlns:a16="http://schemas.microsoft.com/office/drawing/2014/main" id="{8C3F3831-3F3C-46F1-8881-3B0FC6DA41DB}"/>
-              </a:ext>
-            </a:extLst>
-          </p:cNvPr>
-          <p:cNvGraphicFramePr>
-            <a:graphicFrameLocks noGrp="1"/>
-          </p:cNvGraphicFramePr>
-          <p:nvPr>
-            <p:extLst>
-              <p:ext uri="{D42A27DB-BD31-4B8C-83A1-F6EECF244321}">
-                <p14:modId xmlns:p14="http://schemas.microsoft.com/office/powerpoint/2010/main" val="402930677"/>
-              </p:ext>
-            </p:extLst>
-          </p:nvPr>
-        </p:nvGraphicFramePr>
-        <p:xfrm>
-          <a:off x="2302243" y="828483"/>
-          <a:ext cx="5348789" cy="1753194"/>
-        </p:xfrm>
-        <a:graphic>
-          <a:graphicData uri="http://schemas.openxmlformats.org/drawingml/2006/table">
-            <a:tbl>
-              <a:tblPr firstRow="1" bandRow="1">
-                <a:tableStyleId>{7E9639D4-E3E2-4D34-9284-5A2195B3D0D7}</a:tableStyleId>
-              </a:tblPr>
-              <a:tblGrid>
-                <a:gridCol w="5348789">
-                  <a:extLst>
-                    <a:ext uri="{9D8B030D-6E8A-4147-A177-3AD203B41FA5}">
-                      <a16:colId xmlns:a16="http://schemas.microsoft.com/office/drawing/2014/main" val="2489794988"/>
-                    </a:ext>
-                  </a:extLst>
-                </a:gridCol>
-              </a:tblGrid>
-              <a:tr h="292199">
-                <a:tc>
-                  <a:txBody>
-                    <a:bodyPr/>
-                    <a:lstStyle/>
-                    <a:p>
-                      <a:pPr algn="ctr"/>
-                      <a:r>
-                        <a:rPr lang="en-AU" dirty="0">
-                          <a:latin typeface="Arial" panose="020B0604020202020204" pitchFamily="34" charset="0"/>
-                          <a:cs typeface="Arial" panose="020B0604020202020204" pitchFamily="34" charset="0"/>
-                        </a:rPr>
-                        <a:t>Animal</a:t>
-                      </a:r>
-                    </a:p>
-                  </a:txBody>
-                  <a:tcPr marL="90000" marT="7200" marB="7200"/>
-                </a:tc>
-                <a:extLst>
-                  <a:ext uri="{0D108BD9-81ED-4DB2-BD59-A6C34878D82A}">
-                    <a16:rowId xmlns:a16="http://schemas.microsoft.com/office/drawing/2014/main" val="895658984"/>
-                  </a:ext>
-                </a:extLst>
-              </a:tr>
-              <a:tr h="292199">
-                <a:tc>
-                  <a:txBody>
-                    <a:bodyPr/>
-                    <a:lstStyle/>
-                    <a:p>
-                      <a:r>
-                        <a:rPr lang="en-AU" dirty="0">
-                          <a:latin typeface="Arial" panose="020B0604020202020204" pitchFamily="34" charset="0"/>
-                          <a:cs typeface="Arial" panose="020B0604020202020204" pitchFamily="34" charset="0"/>
-                        </a:rPr>
-                        <a:t>- private String food</a:t>
-                      </a:r>
-                    </a:p>
-                  </a:txBody>
-                  <a:tcPr marL="90000" marT="7200" marB="7200"/>
-                </a:tc>
-                <a:extLst>
-                  <a:ext uri="{0D108BD9-81ED-4DB2-BD59-A6C34878D82A}">
-                    <a16:rowId xmlns:a16="http://schemas.microsoft.com/office/drawing/2014/main" val="3061784782"/>
-                  </a:ext>
-                </a:extLst>
-              </a:tr>
-              <a:tr h="292199">
-                <a:tc>
-                  <a:txBody>
-                    <a:bodyPr/>
-                    <a:lstStyle/>
-                    <a:p>
-                      <a:r>
-                        <a:rPr lang="en-AU" dirty="0">
-                          <a:latin typeface="Arial" panose="020B0604020202020204" pitchFamily="34" charset="0"/>
-                          <a:cs typeface="Arial" panose="020B0604020202020204" pitchFamily="34" charset="0"/>
-                        </a:rPr>
-                        <a:t>+ public Animal()</a:t>
-                      </a:r>
-                    </a:p>
-                  </a:txBody>
-                  <a:tcPr marL="90000" marT="7200" marB="7200"/>
-                </a:tc>
-                <a:extLst>
-                  <a:ext uri="{0D108BD9-81ED-4DB2-BD59-A6C34878D82A}">
-                    <a16:rowId xmlns:a16="http://schemas.microsoft.com/office/drawing/2014/main" val="4122847577"/>
-                  </a:ext>
-                </a:extLst>
-              </a:tr>
-              <a:tr h="292199">
-                <a:tc>
-                  <a:txBody>
-                    <a:bodyPr/>
-                    <a:lstStyle/>
-                    <a:p>
-                      <a:r>
-                        <a:rPr lang="en-AU" dirty="0">
-                          <a:latin typeface="Arial" panose="020B0604020202020204" pitchFamily="34" charset="0"/>
-                          <a:cs typeface="Arial" panose="020B0604020202020204" pitchFamily="34" charset="0"/>
-                        </a:rPr>
-                        <a:t>+ public Animal(String food)</a:t>
-                      </a:r>
-                    </a:p>
-                  </a:txBody>
-                  <a:tcPr marL="90000" marT="7200" marB="7200"/>
-                </a:tc>
-                <a:extLst>
-                  <a:ext uri="{0D108BD9-81ED-4DB2-BD59-A6C34878D82A}">
-                    <a16:rowId xmlns:a16="http://schemas.microsoft.com/office/drawing/2014/main" val="124832779"/>
-                  </a:ext>
-                </a:extLst>
-              </a:tr>
-              <a:tr h="292199">
-                <a:tc>
-                  <a:txBody>
-                    <a:bodyPr/>
-                    <a:lstStyle/>
-                    <a:p>
-                      <a:r>
-                        <a:rPr lang="en-AU" dirty="0">
-                          <a:latin typeface="Arial" panose="020B0604020202020204" pitchFamily="34" charset="0"/>
-                          <a:cs typeface="Arial" panose="020B0604020202020204" pitchFamily="34" charset="0"/>
-                        </a:rPr>
-                        <a:t>+ public void </a:t>
-                      </a:r>
-                      <a:r>
-                        <a:rPr lang="en-AU" dirty="0" err="1">
-                          <a:latin typeface="Arial" panose="020B0604020202020204" pitchFamily="34" charset="0"/>
-                          <a:cs typeface="Arial" panose="020B0604020202020204" pitchFamily="34" charset="0"/>
-                        </a:rPr>
-                        <a:t>toString</a:t>
-                      </a:r>
-                      <a:r>
-                        <a:rPr lang="en-AU" dirty="0">
-                          <a:latin typeface="Arial" panose="020B0604020202020204" pitchFamily="34" charset="0"/>
-                          <a:cs typeface="Arial" panose="020B0604020202020204" pitchFamily="34" charset="0"/>
-                        </a:rPr>
-                        <a:t>()</a:t>
-                      </a:r>
-                    </a:p>
-                  </a:txBody>
-                  <a:tcPr marL="90000" marT="7200" marB="7200"/>
-                </a:tc>
-                <a:extLst>
-                  <a:ext uri="{0D108BD9-81ED-4DB2-BD59-A6C34878D82A}">
-                    <a16:rowId xmlns:a16="http://schemas.microsoft.com/office/drawing/2014/main" val="584654916"/>
-                  </a:ext>
-                </a:extLst>
-              </a:tr>
-              <a:tr h="292199">
-                <a:tc>
-                  <a:txBody>
-                    <a:bodyPr/>
-                    <a:lstStyle/>
-                    <a:p>
-                      <a:r>
-                        <a:rPr lang="en-AU" dirty="0">
-                          <a:latin typeface="Arial" panose="020B0604020202020204" pitchFamily="34" charset="0"/>
-                          <a:cs typeface="Arial" panose="020B0604020202020204" pitchFamily="34" charset="0"/>
-                        </a:rPr>
-                        <a:t>+ public String </a:t>
-                      </a:r>
-                      <a:r>
-                        <a:rPr lang="en-AU" dirty="0" err="1">
-                          <a:latin typeface="Arial" panose="020B0604020202020204" pitchFamily="34" charset="0"/>
-                          <a:cs typeface="Arial" panose="020B0604020202020204" pitchFamily="34" charset="0"/>
-                        </a:rPr>
-                        <a:t>getFood</a:t>
-                      </a:r>
-                      <a:r>
-                        <a:rPr lang="en-AU" dirty="0">
-                          <a:latin typeface="Arial" panose="020B0604020202020204" pitchFamily="34" charset="0"/>
-                          <a:cs typeface="Arial" panose="020B0604020202020204" pitchFamily="34" charset="0"/>
-                        </a:rPr>
-                        <a:t>()</a:t>
-                      </a:r>
-                    </a:p>
-                  </a:txBody>
-                  <a:tcPr marL="90000" marT="7200" marB="7200"/>
-                </a:tc>
-                <a:extLst>
-                  <a:ext uri="{0D108BD9-81ED-4DB2-BD59-A6C34878D82A}">
-                    <a16:rowId xmlns:a16="http://schemas.microsoft.com/office/drawing/2014/main" val="3308999091"/>
-                  </a:ext>
-                </a:extLst>
-              </a:tr>
-            </a:tbl>
-          </a:graphicData>
-        </a:graphic>
-      </p:graphicFrame>
-      <p:graphicFrame>
-        <p:nvGraphicFramePr>
-          <p:cNvPr id="10" name="Table 3">
-            <a:extLst>
-              <a:ext uri="{FF2B5EF4-FFF2-40B4-BE49-F238E27FC236}">
-                <a16:creationId xmlns:a16="http://schemas.microsoft.com/office/drawing/2014/main" id="{A4490022-7064-45EB-B643-4F5AD08ACBDF}"/>
-              </a:ext>
-            </a:extLst>
-          </p:cNvPr>
-          <p:cNvGraphicFramePr>
-            <a:graphicFrameLocks noGrp="1"/>
-          </p:cNvGraphicFramePr>
-          <p:nvPr>
-            <p:extLst>
-              <p:ext uri="{D42A27DB-BD31-4B8C-83A1-F6EECF244321}">
-                <p14:modId xmlns:p14="http://schemas.microsoft.com/office/powerpoint/2010/main" val="4068958142"/>
-              </p:ext>
-            </p:extLst>
-          </p:nvPr>
-        </p:nvGraphicFramePr>
-        <p:xfrm>
-          <a:off x="2294486" y="3391123"/>
-          <a:ext cx="5348789" cy="1460995"/>
-        </p:xfrm>
-        <a:graphic>
-          <a:graphicData uri="http://schemas.openxmlformats.org/drawingml/2006/table">
-            <a:tbl>
-              <a:tblPr firstRow="1" bandRow="1">
-                <a:tableStyleId>{7E9639D4-E3E2-4D34-9284-5A2195B3D0D7}</a:tableStyleId>
-              </a:tblPr>
-              <a:tblGrid>
-                <a:gridCol w="5348789">
-                  <a:extLst>
-                    <a:ext uri="{9D8B030D-6E8A-4147-A177-3AD203B41FA5}">
-                      <a16:colId xmlns:a16="http://schemas.microsoft.com/office/drawing/2014/main" val="2489794988"/>
-                    </a:ext>
-                  </a:extLst>
-                </a:gridCol>
-              </a:tblGrid>
-              <a:tr h="292199">
-                <a:tc>
-                  <a:txBody>
-                    <a:bodyPr/>
-                    <a:lstStyle/>
-                    <a:p>
-                      <a:pPr algn="ctr"/>
-                      <a:r>
-                        <a:rPr lang="en-AU" dirty="0">
-                          <a:latin typeface="Arial" panose="020B0604020202020204" pitchFamily="34" charset="0"/>
-                          <a:cs typeface="Arial" panose="020B0604020202020204" pitchFamily="34" charset="0"/>
-                        </a:rPr>
-                        <a:t>Emu</a:t>
-                      </a:r>
-                    </a:p>
-                  </a:txBody>
-                  <a:tcPr marL="90000" marT="7200" marB="7200"/>
-                </a:tc>
-                <a:extLst>
-                  <a:ext uri="{0D108BD9-81ED-4DB2-BD59-A6C34878D82A}">
-                    <a16:rowId xmlns:a16="http://schemas.microsoft.com/office/drawing/2014/main" val="895658984"/>
-                  </a:ext>
-                </a:extLst>
-              </a:tr>
-              <a:tr h="292199">
-                <a:tc>
-                  <a:txBody>
-                    <a:bodyPr/>
-                    <a:lstStyle/>
-                    <a:p>
-                      <a:r>
-                        <a:rPr lang="en-AU" dirty="0">
-                          <a:latin typeface="Arial" panose="020B0604020202020204" pitchFamily="34" charset="0"/>
-                          <a:cs typeface="Arial" panose="020B0604020202020204" pitchFamily="34" charset="0"/>
-                        </a:rPr>
-                        <a:t>- private double speed</a:t>
-                      </a:r>
-                    </a:p>
-                  </a:txBody>
-                  <a:tcPr marL="90000" marT="7200" marB="7200"/>
-                </a:tc>
-                <a:extLst>
-                  <a:ext uri="{0D108BD9-81ED-4DB2-BD59-A6C34878D82A}">
-                    <a16:rowId xmlns:a16="http://schemas.microsoft.com/office/drawing/2014/main" val="3061784782"/>
-                  </a:ext>
-                </a:extLst>
-              </a:tr>
-              <a:tr h="292199">
-                <a:tc>
-                  <a:txBody>
-                    <a:bodyPr/>
-                    <a:lstStyle/>
-                    <a:p>
-                      <a:r>
-                        <a:rPr lang="en-AU" dirty="0">
-                          <a:latin typeface="Arial" panose="020B0604020202020204" pitchFamily="34" charset="0"/>
-                          <a:cs typeface="Arial" panose="020B0604020202020204" pitchFamily="34" charset="0"/>
-                        </a:rPr>
-                        <a:t>+ public Emu(double speed)</a:t>
-                      </a:r>
-                    </a:p>
-                  </a:txBody>
-                  <a:tcPr marL="90000" marT="7200" marB="7200"/>
-                </a:tc>
-                <a:extLst>
-                  <a:ext uri="{0D108BD9-81ED-4DB2-BD59-A6C34878D82A}">
-                    <a16:rowId xmlns:a16="http://schemas.microsoft.com/office/drawing/2014/main" val="4122847577"/>
-                  </a:ext>
-                </a:extLst>
-              </a:tr>
-              <a:tr h="292199">
-                <a:tc>
-                  <a:txBody>
-                    <a:bodyPr/>
-                    <a:lstStyle/>
-                    <a:p>
-                      <a:r>
-                        <a:rPr lang="en-AU" dirty="0">
-                          <a:latin typeface="Arial" panose="020B0604020202020204" pitchFamily="34" charset="0"/>
-                          <a:cs typeface="Arial" panose="020B0604020202020204" pitchFamily="34" charset="0"/>
-                        </a:rPr>
-                        <a:t>+ public void </a:t>
-                      </a:r>
-                      <a:r>
-                        <a:rPr lang="en-AU" dirty="0" err="1">
-                          <a:latin typeface="Arial" panose="020B0604020202020204" pitchFamily="34" charset="0"/>
-                          <a:cs typeface="Arial" panose="020B0604020202020204" pitchFamily="34" charset="0"/>
-                        </a:rPr>
-                        <a:t>toString</a:t>
-                      </a:r>
-                      <a:r>
-                        <a:rPr lang="en-AU" dirty="0">
-                          <a:latin typeface="Arial" panose="020B0604020202020204" pitchFamily="34" charset="0"/>
-                          <a:cs typeface="Arial" panose="020B0604020202020204" pitchFamily="34" charset="0"/>
-                        </a:rPr>
-                        <a:t>()</a:t>
-                      </a:r>
-                    </a:p>
-                  </a:txBody>
-                  <a:tcPr marL="90000" marT="7200" marB="7200"/>
-                </a:tc>
-                <a:extLst>
-                  <a:ext uri="{0D108BD9-81ED-4DB2-BD59-A6C34878D82A}">
-                    <a16:rowId xmlns:a16="http://schemas.microsoft.com/office/drawing/2014/main" val="584654916"/>
-                  </a:ext>
-                </a:extLst>
-              </a:tr>
-              <a:tr h="292199">
-                <a:tc>
-                  <a:txBody>
-                    <a:bodyPr/>
-                    <a:lstStyle/>
-                    <a:p>
-                      <a:r>
-                        <a:rPr lang="en-AU" dirty="0">
-                          <a:latin typeface="Arial" panose="020B0604020202020204" pitchFamily="34" charset="0"/>
-                          <a:cs typeface="Arial" panose="020B0604020202020204" pitchFamily="34" charset="0"/>
-                        </a:rPr>
-                        <a:t>+ public String </a:t>
-                      </a:r>
-                      <a:r>
-                        <a:rPr lang="en-AU" dirty="0" err="1">
-                          <a:latin typeface="Arial" panose="020B0604020202020204" pitchFamily="34" charset="0"/>
-                          <a:cs typeface="Arial" panose="020B0604020202020204" pitchFamily="34" charset="0"/>
-                        </a:rPr>
-                        <a:t>getSpeed</a:t>
-                      </a:r>
-                      <a:r>
-                        <a:rPr lang="en-AU" dirty="0">
-                          <a:latin typeface="Arial" panose="020B0604020202020204" pitchFamily="34" charset="0"/>
-                          <a:cs typeface="Arial" panose="020B0604020202020204" pitchFamily="34" charset="0"/>
-                        </a:rPr>
-                        <a:t>()</a:t>
-                      </a:r>
-                    </a:p>
-                  </a:txBody>
-                  <a:tcPr marL="90000" marT="7200" marB="7200"/>
-                </a:tc>
-                <a:extLst>
-                  <a:ext uri="{0D108BD9-81ED-4DB2-BD59-A6C34878D82A}">
-                    <a16:rowId xmlns:a16="http://schemas.microsoft.com/office/drawing/2014/main" val="3308999091"/>
-                  </a:ext>
-                </a:extLst>
-              </a:tr>
-            </a:tbl>
-          </a:graphicData>
-        </a:graphic>
-      </p:graphicFrame>
     </p:spTree>
     <p:extLst>
       <p:ext uri="{BB962C8B-B14F-4D97-AF65-F5344CB8AC3E}">
-        <p14:creationId xmlns:p14="http://schemas.microsoft.com/office/powerpoint/2010/main" val="1234121662"/>
+        <p14:creationId xmlns:p14="http://schemas.microsoft.com/office/powerpoint/2010/main" val="4193371245"/>
       </p:ext>
     </p:extLst>
   </p:cSld>
@@ -3973,10 +3536,10 @@
       </p:grpSpPr>
       <p:sp>
         <p:nvSpPr>
-          <p:cNvPr id="20" name="Rectangle 19">
-            <a:extLst>
-              <a:ext uri="{FF2B5EF4-FFF2-40B4-BE49-F238E27FC236}">
-                <a16:creationId xmlns:a16="http://schemas.microsoft.com/office/drawing/2014/main" id="{3E7275C4-270C-409D-8FF5-FFE37A943498}"/>
+          <p:cNvPr id="6" name="Rectangle 5">
+            <a:extLst>
+              <a:ext uri="{FF2B5EF4-FFF2-40B4-BE49-F238E27FC236}">
+                <a16:creationId xmlns:a16="http://schemas.microsoft.com/office/drawing/2014/main" id="{AD2BF8A8-60AB-4C3A-8117-EEDF037A8535}"/>
               </a:ext>
             </a:extLst>
           </p:cNvPr>
@@ -3985,8 +3548,8 @@
         </p:nvSpPr>
         <p:spPr>
           <a:xfrm>
-            <a:off x="1923253" y="3062041"/>
-            <a:ext cx="1310571" cy="369332"/>
+            <a:off x="2499447" y="637817"/>
+            <a:ext cx="7600429" cy="369332"/>
           </a:xfrm>
           <a:prstGeom prst="rect">
             <a:avLst/>
@@ -3999,28 +3562,41 @@
           <a:lstStyle/>
           <a:p>
             <a:r>
-              <a:rPr lang="en-AU" dirty="0">
+              <a:rPr lang="en-AU" b="1" dirty="0">
                 <a:solidFill>
                   <a:srgbClr val="FF0000"/>
                 </a:solidFill>
-                <a:latin typeface="JetBrains Mono ExtraBold" panose="020B0909030102050004" pitchFamily="49" charset="0"/>
+                <a:latin typeface="JetBrains Mono" panose="020B0509020102050004" pitchFamily="49" charset="0"/>
               </a:rPr>
-              <a:t>Subclass</a:t>
-            </a:r>
-            <a:endParaRPr lang="en-AU" dirty="0">
-              <a:solidFill>
-                <a:srgbClr val="FF0000"/>
-              </a:solidFill>
-            </a:endParaRPr>
-          </a:p>
-        </p:txBody>
-      </p:sp>
-      <p:sp>
-        <p:nvSpPr>
-          <p:cNvPr id="22" name="Rectangle 21">
-            <a:extLst>
-              <a:ext uri="{FF2B5EF4-FFF2-40B4-BE49-F238E27FC236}">
-                <a16:creationId xmlns:a16="http://schemas.microsoft.com/office/drawing/2014/main" id="{1164802A-E312-444F-B740-925355182987}"/>
+              <a:t>Windows: </a:t>
+            </a:r>
+            <a:r>
+              <a:rPr lang="en-AU" b="1" dirty="0" err="1">
+                <a:solidFill>
+                  <a:srgbClr val="FF0000"/>
+                </a:solidFill>
+                <a:latin typeface="JetBrains Mono" panose="020B0509020102050004" pitchFamily="49" charset="0"/>
+              </a:rPr>
+              <a:t>ctrl+V</a:t>
+            </a:r>
+            <a:r>
+              <a:rPr lang="en-AU" b="1" dirty="0">
+                <a:solidFill>
+                  <a:srgbClr val="FF0000"/>
+                </a:solidFill>
+                <a:latin typeface="JetBrains Mono" panose="020B0509020102050004" pitchFamily="49" charset="0"/>
+              </a:rPr>
+              <a:t> to paste into the LMS text field</a:t>
+            </a:r>
+          </a:p>
+        </p:txBody>
+      </p:sp>
+      <p:sp>
+        <p:nvSpPr>
+          <p:cNvPr id="7" name="Rectangle 6">
+            <a:extLst>
+              <a:ext uri="{FF2B5EF4-FFF2-40B4-BE49-F238E27FC236}">
+                <a16:creationId xmlns:a16="http://schemas.microsoft.com/office/drawing/2014/main" id="{5864D1A7-BBA5-4395-80E0-64F89E8DB83D}"/>
               </a:ext>
             </a:extLst>
           </p:cNvPr>
@@ -4029,8 +3605,8 @@
         </p:nvSpPr>
         <p:spPr>
           <a:xfrm>
-            <a:off x="5426911" y="237273"/>
-            <a:ext cx="1731991" cy="369332"/>
+            <a:off x="2499447" y="1007149"/>
+            <a:ext cx="7193106" cy="369332"/>
           </a:xfrm>
           <a:prstGeom prst="rect">
             <a:avLst/>
@@ -4043,1338 +3619,91 @@
           <a:lstStyle/>
           <a:p>
             <a:r>
-              <a:rPr lang="en-AU" dirty="0">
+              <a:rPr lang="en-AU" b="1" dirty="0">
                 <a:solidFill>
                   <a:srgbClr val="FF0000"/>
                 </a:solidFill>
-                <a:latin typeface="JetBrains Mono ExtraBold" panose="020B0909030102050004" pitchFamily="49" charset="0"/>
+                <a:latin typeface="JetBrains Mono" panose="020B0509020102050004" pitchFamily="49" charset="0"/>
               </a:rPr>
-              <a:t>Superclass</a:t>
-            </a:r>
-            <a:endParaRPr lang="en-AU" dirty="0">
-              <a:solidFill>
-                <a:srgbClr val="FF0000"/>
-              </a:solidFill>
-            </a:endParaRPr>
-          </a:p>
-        </p:txBody>
-      </p:sp>
-      <p:sp>
-        <p:nvSpPr>
-          <p:cNvPr id="17" name="Rectangle 16">
-            <a:extLst>
-              <a:ext uri="{FF2B5EF4-FFF2-40B4-BE49-F238E27FC236}">
-                <a16:creationId xmlns:a16="http://schemas.microsoft.com/office/drawing/2014/main" id="{3E12239E-8D20-49A8-A3A3-D969F73AA168}"/>
-              </a:ext>
-            </a:extLst>
-          </p:cNvPr>
-          <p:cNvSpPr/>
+              <a:t>MAC: </a:t>
+            </a:r>
+            <a:r>
+              <a:rPr lang="en-GB" b="1" dirty="0" err="1">
+                <a:solidFill>
+                  <a:srgbClr val="FF0000"/>
+                </a:solidFill>
+                <a:latin typeface="JetBrains Mono" panose="020B0509020102050004" pitchFamily="49" charset="0"/>
+              </a:rPr>
+              <a:t>cmd+C</a:t>
+            </a:r>
+            <a:r>
+              <a:rPr lang="en-GB" b="1" dirty="0">
+                <a:solidFill>
+                  <a:srgbClr val="FF0000"/>
+                </a:solidFill>
+                <a:latin typeface="JetBrains Mono" panose="020B0509020102050004" pitchFamily="49" charset="0"/>
+              </a:rPr>
+              <a:t> </a:t>
+            </a:r>
+            <a:r>
+              <a:rPr lang="en-AU" b="1" dirty="0">
+                <a:solidFill>
+                  <a:srgbClr val="FF0000"/>
+                </a:solidFill>
+                <a:latin typeface="JetBrains Mono" panose="020B0509020102050004" pitchFamily="49" charset="0"/>
+              </a:rPr>
+              <a:t>to paste into the LMS text field</a:t>
+            </a:r>
+          </a:p>
+        </p:txBody>
+      </p:sp>
+      <p:pic>
+        <p:nvPicPr>
+          <p:cNvPr id="3" name="Picture 2">
+            <a:extLst>
+              <a:ext uri="{FF2B5EF4-FFF2-40B4-BE49-F238E27FC236}">
+                <a16:creationId xmlns:a16="http://schemas.microsoft.com/office/drawing/2014/main" id="{CCB97084-4E71-4E17-9A86-FE6C050AABE5}"/>
+              </a:ext>
+            </a:extLst>
+          </p:cNvPr>
+          <p:cNvPicPr>
+            <a:picLocks noChangeAspect="1"/>
+          </p:cNvPicPr>
           <p:nvPr/>
-        </p:nvSpPr>
+        </p:nvPicPr>
+        <p:blipFill>
+          <a:blip r:embed="rId2"/>
+          <a:stretch>
+            <a:fillRect/>
+          </a:stretch>
+        </p:blipFill>
         <p:spPr>
           <a:xfrm>
-            <a:off x="9473083" y="3084395"/>
-            <a:ext cx="1310571" cy="369332"/>
+            <a:off x="1799096" y="1590892"/>
+            <a:ext cx="8148474" cy="4770607"/>
           </a:xfrm>
           <a:prstGeom prst="rect">
             <a:avLst/>
           </a:prstGeom>
+          <a:ln w="12700" cap="sq">
+            <a:solidFill>
+              <a:srgbClr val="000000"/>
+            </a:solidFill>
+            <a:miter lim="800000"/>
+          </a:ln>
+          <a:effectLst>
+            <a:outerShdw blurRad="57150" dist="50800" dir="2700000" algn="tl" rotWithShape="0">
+              <a:srgbClr val="000000">
+                <a:alpha val="40000"/>
+              </a:srgbClr>
+            </a:outerShdw>
+          </a:effectLst>
         </p:spPr>
-        <p:txBody>
-          <a:bodyPr wrap="square">
-            <a:spAutoFit/>
-          </a:bodyPr>
-          <a:lstStyle/>
-          <a:p>
-            <a:r>
-              <a:rPr lang="en-AU" dirty="0">
-                <a:solidFill>
-                  <a:srgbClr val="FF0000"/>
-                </a:solidFill>
-                <a:latin typeface="JetBrains Mono ExtraBold" panose="020B0909030102050004" pitchFamily="49" charset="0"/>
-              </a:rPr>
-              <a:t>Subclass</a:t>
-            </a:r>
-            <a:endParaRPr lang="en-AU" dirty="0">
-              <a:solidFill>
-                <a:srgbClr val="FF0000"/>
-              </a:solidFill>
-            </a:endParaRPr>
-          </a:p>
-        </p:txBody>
-      </p:sp>
-      <p:cxnSp>
-        <p:nvCxnSpPr>
-          <p:cNvPr id="18" name="Connector: Elbow 17">
-            <a:extLst>
-              <a:ext uri="{FF2B5EF4-FFF2-40B4-BE49-F238E27FC236}">
-                <a16:creationId xmlns:a16="http://schemas.microsoft.com/office/drawing/2014/main" id="{C0B164A8-1705-49BB-A33D-DC3A570420F0}"/>
-              </a:ext>
-            </a:extLst>
-          </p:cNvPr>
-          <p:cNvCxnSpPr>
-            <a:cxnSpLocks/>
-          </p:cNvCxnSpPr>
-          <p:nvPr/>
-        </p:nvCxnSpPr>
-        <p:spPr>
-          <a:xfrm rot="5400000" flipH="1" flipV="1">
-            <a:off x="4272085" y="1408178"/>
-            <a:ext cx="1069203" cy="2972443"/>
-          </a:xfrm>
-          <a:prstGeom prst="bentConnector3">
-            <a:avLst/>
-          </a:prstGeom>
-          <a:ln w="38100">
-            <a:solidFill>
-              <a:schemeClr val="accent2"/>
-            </a:solidFill>
-            <a:tailEnd type="triangle"/>
-          </a:ln>
-        </p:spPr>
-        <p:style>
-          <a:lnRef idx="1">
-            <a:schemeClr val="accent1"/>
-          </a:lnRef>
-          <a:fillRef idx="0">
-            <a:schemeClr val="accent1"/>
-          </a:fillRef>
-          <a:effectRef idx="0">
-            <a:schemeClr val="accent1"/>
-          </a:effectRef>
-          <a:fontRef idx="minor">
-            <a:schemeClr val="tx1"/>
-          </a:fontRef>
-        </p:style>
-      </p:cxnSp>
-      <p:cxnSp>
-        <p:nvCxnSpPr>
-          <p:cNvPr id="25" name="Connector: Elbow 24">
-            <a:extLst>
-              <a:ext uri="{FF2B5EF4-FFF2-40B4-BE49-F238E27FC236}">
-                <a16:creationId xmlns:a16="http://schemas.microsoft.com/office/drawing/2014/main" id="{9534E17A-59CD-46DC-ABE4-C460D9DD990F}"/>
-              </a:ext>
-            </a:extLst>
-          </p:cNvPr>
-          <p:cNvCxnSpPr>
-            <a:cxnSpLocks/>
-          </p:cNvCxnSpPr>
-          <p:nvPr/>
-        </p:nvCxnSpPr>
-        <p:spPr>
-          <a:xfrm rot="16200000" flipV="1">
-            <a:off x="7198401" y="1454305"/>
-            <a:ext cx="1069203" cy="2880187"/>
-          </a:xfrm>
-          <a:prstGeom prst="bentConnector3">
-            <a:avLst/>
-          </a:prstGeom>
-          <a:ln w="38100">
-            <a:solidFill>
-              <a:schemeClr val="accent2"/>
-            </a:solidFill>
-            <a:tailEnd type="triangle"/>
-          </a:ln>
-        </p:spPr>
-        <p:style>
-          <a:lnRef idx="1">
-            <a:schemeClr val="accent1"/>
-          </a:lnRef>
-          <a:fillRef idx="0">
-            <a:schemeClr val="accent1"/>
-          </a:fillRef>
-          <a:effectRef idx="0">
-            <a:schemeClr val="accent1"/>
-          </a:effectRef>
-          <a:fontRef idx="minor">
-            <a:schemeClr val="tx1"/>
-          </a:fontRef>
-        </p:style>
-      </p:cxnSp>
-      <p:graphicFrame>
-        <p:nvGraphicFramePr>
-          <p:cNvPr id="12" name="Table 3">
-            <a:extLst>
-              <a:ext uri="{FF2B5EF4-FFF2-40B4-BE49-F238E27FC236}">
-                <a16:creationId xmlns:a16="http://schemas.microsoft.com/office/drawing/2014/main" id="{9CC47379-A377-4E37-9D6D-02FE00640223}"/>
-              </a:ext>
-            </a:extLst>
-          </p:cNvPr>
-          <p:cNvGraphicFramePr>
-            <a:graphicFrameLocks noGrp="1"/>
-          </p:cNvGraphicFramePr>
-          <p:nvPr>
-            <p:extLst>
-              <p:ext uri="{D42A27DB-BD31-4B8C-83A1-F6EECF244321}">
-                <p14:modId xmlns:p14="http://schemas.microsoft.com/office/powerpoint/2010/main" val="3469916072"/>
-              </p:ext>
-            </p:extLst>
-          </p:nvPr>
-        </p:nvGraphicFramePr>
-        <p:xfrm>
-          <a:off x="3618511" y="606601"/>
-          <a:ext cx="5348789" cy="1753194"/>
-        </p:xfrm>
-        <a:graphic>
-          <a:graphicData uri="http://schemas.openxmlformats.org/drawingml/2006/table">
-            <a:tbl>
-              <a:tblPr firstRow="1" bandRow="1">
-                <a:tableStyleId>{7E9639D4-E3E2-4D34-9284-5A2195B3D0D7}</a:tableStyleId>
-              </a:tblPr>
-              <a:tblGrid>
-                <a:gridCol w="5348789">
-                  <a:extLst>
-                    <a:ext uri="{9D8B030D-6E8A-4147-A177-3AD203B41FA5}">
-                      <a16:colId xmlns:a16="http://schemas.microsoft.com/office/drawing/2014/main" val="2489794988"/>
-                    </a:ext>
-                  </a:extLst>
-                </a:gridCol>
-              </a:tblGrid>
-              <a:tr h="292199">
-                <a:tc>
-                  <a:txBody>
-                    <a:bodyPr/>
-                    <a:lstStyle/>
-                    <a:p>
-                      <a:pPr algn="ctr"/>
-                      <a:r>
-                        <a:rPr lang="en-AU" dirty="0">
-                          <a:latin typeface="Arial" panose="020B0604020202020204" pitchFamily="34" charset="0"/>
-                          <a:cs typeface="Arial" panose="020B0604020202020204" pitchFamily="34" charset="0"/>
-                        </a:rPr>
-                        <a:t>Animal</a:t>
-                      </a:r>
-                    </a:p>
-                  </a:txBody>
-                  <a:tcPr marL="90000" marT="7200" marB="7200"/>
-                </a:tc>
-                <a:extLst>
-                  <a:ext uri="{0D108BD9-81ED-4DB2-BD59-A6C34878D82A}">
-                    <a16:rowId xmlns:a16="http://schemas.microsoft.com/office/drawing/2014/main" val="895658984"/>
-                  </a:ext>
-                </a:extLst>
-              </a:tr>
-              <a:tr h="292199">
-                <a:tc>
-                  <a:txBody>
-                    <a:bodyPr/>
-                    <a:lstStyle/>
-                    <a:p>
-                      <a:r>
-                        <a:rPr lang="en-AU" dirty="0">
-                          <a:latin typeface="Arial" panose="020B0604020202020204" pitchFamily="34" charset="0"/>
-                          <a:cs typeface="Arial" panose="020B0604020202020204" pitchFamily="34" charset="0"/>
-                        </a:rPr>
-                        <a:t>- private String food</a:t>
-                      </a:r>
-                    </a:p>
-                  </a:txBody>
-                  <a:tcPr marL="90000" marT="7200" marB="7200"/>
-                </a:tc>
-                <a:extLst>
-                  <a:ext uri="{0D108BD9-81ED-4DB2-BD59-A6C34878D82A}">
-                    <a16:rowId xmlns:a16="http://schemas.microsoft.com/office/drawing/2014/main" val="3061784782"/>
-                  </a:ext>
-                </a:extLst>
-              </a:tr>
-              <a:tr h="292199">
-                <a:tc>
-                  <a:txBody>
-                    <a:bodyPr/>
-                    <a:lstStyle/>
-                    <a:p>
-                      <a:r>
-                        <a:rPr lang="en-AU" dirty="0">
-                          <a:latin typeface="Arial" panose="020B0604020202020204" pitchFamily="34" charset="0"/>
-                          <a:cs typeface="Arial" panose="020B0604020202020204" pitchFamily="34" charset="0"/>
-                        </a:rPr>
-                        <a:t>+ public Animal()</a:t>
-                      </a:r>
-                    </a:p>
-                  </a:txBody>
-                  <a:tcPr marL="90000" marT="7200" marB="7200"/>
-                </a:tc>
-                <a:extLst>
-                  <a:ext uri="{0D108BD9-81ED-4DB2-BD59-A6C34878D82A}">
-                    <a16:rowId xmlns:a16="http://schemas.microsoft.com/office/drawing/2014/main" val="4122847577"/>
-                  </a:ext>
-                </a:extLst>
-              </a:tr>
-              <a:tr h="292199">
-                <a:tc>
-                  <a:txBody>
-                    <a:bodyPr/>
-                    <a:lstStyle/>
-                    <a:p>
-                      <a:r>
-                        <a:rPr lang="en-AU" dirty="0">
-                          <a:latin typeface="Arial" panose="020B0604020202020204" pitchFamily="34" charset="0"/>
-                          <a:cs typeface="Arial" panose="020B0604020202020204" pitchFamily="34" charset="0"/>
-                        </a:rPr>
-                        <a:t>+ public Animal(String food)</a:t>
-                      </a:r>
-                    </a:p>
-                  </a:txBody>
-                  <a:tcPr marL="90000" marT="7200" marB="7200"/>
-                </a:tc>
-                <a:extLst>
-                  <a:ext uri="{0D108BD9-81ED-4DB2-BD59-A6C34878D82A}">
-                    <a16:rowId xmlns:a16="http://schemas.microsoft.com/office/drawing/2014/main" val="124832779"/>
-                  </a:ext>
-                </a:extLst>
-              </a:tr>
-              <a:tr h="292199">
-                <a:tc>
-                  <a:txBody>
-                    <a:bodyPr/>
-                    <a:lstStyle/>
-                    <a:p>
-                      <a:r>
-                        <a:rPr lang="en-AU" dirty="0">
-                          <a:latin typeface="Arial" panose="020B0604020202020204" pitchFamily="34" charset="0"/>
-                          <a:cs typeface="Arial" panose="020B0604020202020204" pitchFamily="34" charset="0"/>
-                        </a:rPr>
-                        <a:t>+ public void </a:t>
-                      </a:r>
-                      <a:r>
-                        <a:rPr lang="en-AU" dirty="0" err="1">
-                          <a:latin typeface="Arial" panose="020B0604020202020204" pitchFamily="34" charset="0"/>
-                          <a:cs typeface="Arial" panose="020B0604020202020204" pitchFamily="34" charset="0"/>
-                        </a:rPr>
-                        <a:t>toString</a:t>
-                      </a:r>
-                      <a:r>
-                        <a:rPr lang="en-AU" dirty="0">
-                          <a:latin typeface="Arial" panose="020B0604020202020204" pitchFamily="34" charset="0"/>
-                          <a:cs typeface="Arial" panose="020B0604020202020204" pitchFamily="34" charset="0"/>
-                        </a:rPr>
-                        <a:t>()</a:t>
-                      </a:r>
-                    </a:p>
-                  </a:txBody>
-                  <a:tcPr marL="90000" marT="7200" marB="7200"/>
-                </a:tc>
-                <a:extLst>
-                  <a:ext uri="{0D108BD9-81ED-4DB2-BD59-A6C34878D82A}">
-                    <a16:rowId xmlns:a16="http://schemas.microsoft.com/office/drawing/2014/main" val="584654916"/>
-                  </a:ext>
-                </a:extLst>
-              </a:tr>
-              <a:tr h="292199">
-                <a:tc>
-                  <a:txBody>
-                    <a:bodyPr/>
-                    <a:lstStyle/>
-                    <a:p>
-                      <a:r>
-                        <a:rPr lang="en-AU" dirty="0">
-                          <a:latin typeface="Arial" panose="020B0604020202020204" pitchFamily="34" charset="0"/>
-                          <a:cs typeface="Arial" panose="020B0604020202020204" pitchFamily="34" charset="0"/>
-                        </a:rPr>
-                        <a:t>+ public String </a:t>
-                      </a:r>
-                      <a:r>
-                        <a:rPr lang="en-AU" dirty="0" err="1">
-                          <a:latin typeface="Arial" panose="020B0604020202020204" pitchFamily="34" charset="0"/>
-                          <a:cs typeface="Arial" panose="020B0604020202020204" pitchFamily="34" charset="0"/>
-                        </a:rPr>
-                        <a:t>getFood</a:t>
-                      </a:r>
-                      <a:r>
-                        <a:rPr lang="en-AU" dirty="0">
-                          <a:latin typeface="Arial" panose="020B0604020202020204" pitchFamily="34" charset="0"/>
-                          <a:cs typeface="Arial" panose="020B0604020202020204" pitchFamily="34" charset="0"/>
-                        </a:rPr>
-                        <a:t>()</a:t>
-                      </a:r>
-                    </a:p>
-                  </a:txBody>
-                  <a:tcPr marL="90000" marT="7200" marB="7200"/>
-                </a:tc>
-                <a:extLst>
-                  <a:ext uri="{0D108BD9-81ED-4DB2-BD59-A6C34878D82A}">
-                    <a16:rowId xmlns:a16="http://schemas.microsoft.com/office/drawing/2014/main" val="3308999091"/>
-                  </a:ext>
-                </a:extLst>
-              </a:tr>
-            </a:tbl>
-          </a:graphicData>
-        </a:graphic>
-      </p:graphicFrame>
-      <p:graphicFrame>
-        <p:nvGraphicFramePr>
-          <p:cNvPr id="13" name="Table 3">
-            <a:extLst>
-              <a:ext uri="{FF2B5EF4-FFF2-40B4-BE49-F238E27FC236}">
-                <a16:creationId xmlns:a16="http://schemas.microsoft.com/office/drawing/2014/main" id="{B9C91D15-E207-4DD0-8999-21C02F4EB079}"/>
-              </a:ext>
-            </a:extLst>
-          </p:cNvPr>
-          <p:cNvGraphicFramePr>
-            <a:graphicFrameLocks noGrp="1"/>
-          </p:cNvGraphicFramePr>
-          <p:nvPr>
-            <p:extLst>
-              <p:ext uri="{D42A27DB-BD31-4B8C-83A1-F6EECF244321}">
-                <p14:modId xmlns:p14="http://schemas.microsoft.com/office/powerpoint/2010/main" val="1996707283"/>
-              </p:ext>
-            </p:extLst>
-          </p:nvPr>
-        </p:nvGraphicFramePr>
-        <p:xfrm>
-          <a:off x="559429" y="3429000"/>
-          <a:ext cx="5348789" cy="1460995"/>
-        </p:xfrm>
-        <a:graphic>
-          <a:graphicData uri="http://schemas.openxmlformats.org/drawingml/2006/table">
-            <a:tbl>
-              <a:tblPr firstRow="1" bandRow="1">
-                <a:tableStyleId>{7E9639D4-E3E2-4D34-9284-5A2195B3D0D7}</a:tableStyleId>
-              </a:tblPr>
-              <a:tblGrid>
-                <a:gridCol w="5348789">
-                  <a:extLst>
-                    <a:ext uri="{9D8B030D-6E8A-4147-A177-3AD203B41FA5}">
-                      <a16:colId xmlns:a16="http://schemas.microsoft.com/office/drawing/2014/main" val="2489794988"/>
-                    </a:ext>
-                  </a:extLst>
-                </a:gridCol>
-              </a:tblGrid>
-              <a:tr h="292199">
-                <a:tc>
-                  <a:txBody>
-                    <a:bodyPr/>
-                    <a:lstStyle/>
-                    <a:p>
-                      <a:pPr algn="ctr"/>
-                      <a:r>
-                        <a:rPr lang="en-AU" dirty="0">
-                          <a:latin typeface="Arial" panose="020B0604020202020204" pitchFamily="34" charset="0"/>
-                          <a:cs typeface="Arial" panose="020B0604020202020204" pitchFamily="34" charset="0"/>
-                        </a:rPr>
-                        <a:t>Emu</a:t>
-                      </a:r>
-                    </a:p>
-                  </a:txBody>
-                  <a:tcPr marL="90000" marT="7200" marB="7200"/>
-                </a:tc>
-                <a:extLst>
-                  <a:ext uri="{0D108BD9-81ED-4DB2-BD59-A6C34878D82A}">
-                    <a16:rowId xmlns:a16="http://schemas.microsoft.com/office/drawing/2014/main" val="895658984"/>
-                  </a:ext>
-                </a:extLst>
-              </a:tr>
-              <a:tr h="292199">
-                <a:tc>
-                  <a:txBody>
-                    <a:bodyPr/>
-                    <a:lstStyle/>
-                    <a:p>
-                      <a:r>
-                        <a:rPr lang="en-AU" dirty="0">
-                          <a:latin typeface="Arial" panose="020B0604020202020204" pitchFamily="34" charset="0"/>
-                          <a:cs typeface="Arial" panose="020B0604020202020204" pitchFamily="34" charset="0"/>
-                        </a:rPr>
-                        <a:t>- private double speed</a:t>
-                      </a:r>
-                    </a:p>
-                  </a:txBody>
-                  <a:tcPr marL="90000" marT="7200" marB="7200"/>
-                </a:tc>
-                <a:extLst>
-                  <a:ext uri="{0D108BD9-81ED-4DB2-BD59-A6C34878D82A}">
-                    <a16:rowId xmlns:a16="http://schemas.microsoft.com/office/drawing/2014/main" val="3061784782"/>
-                  </a:ext>
-                </a:extLst>
-              </a:tr>
-              <a:tr h="292199">
-                <a:tc>
-                  <a:txBody>
-                    <a:bodyPr/>
-                    <a:lstStyle/>
-                    <a:p>
-                      <a:r>
-                        <a:rPr lang="en-AU" dirty="0">
-                          <a:latin typeface="Arial" panose="020B0604020202020204" pitchFamily="34" charset="0"/>
-                          <a:cs typeface="Arial" panose="020B0604020202020204" pitchFamily="34" charset="0"/>
-                        </a:rPr>
-                        <a:t>+ public Emu(double speed)</a:t>
-                      </a:r>
-                    </a:p>
-                  </a:txBody>
-                  <a:tcPr marL="90000" marT="7200" marB="7200"/>
-                </a:tc>
-                <a:extLst>
-                  <a:ext uri="{0D108BD9-81ED-4DB2-BD59-A6C34878D82A}">
-                    <a16:rowId xmlns:a16="http://schemas.microsoft.com/office/drawing/2014/main" val="4122847577"/>
-                  </a:ext>
-                </a:extLst>
-              </a:tr>
-              <a:tr h="292199">
-                <a:tc>
-                  <a:txBody>
-                    <a:bodyPr/>
-                    <a:lstStyle/>
-                    <a:p>
-                      <a:r>
-                        <a:rPr lang="en-AU" dirty="0">
-                          <a:latin typeface="Arial" panose="020B0604020202020204" pitchFamily="34" charset="0"/>
-                          <a:cs typeface="Arial" panose="020B0604020202020204" pitchFamily="34" charset="0"/>
-                        </a:rPr>
-                        <a:t>+ public void </a:t>
-                      </a:r>
-                      <a:r>
-                        <a:rPr lang="en-AU" dirty="0" err="1">
-                          <a:latin typeface="Arial" panose="020B0604020202020204" pitchFamily="34" charset="0"/>
-                          <a:cs typeface="Arial" panose="020B0604020202020204" pitchFamily="34" charset="0"/>
-                        </a:rPr>
-                        <a:t>toString</a:t>
-                      </a:r>
-                      <a:r>
-                        <a:rPr lang="en-AU" dirty="0">
-                          <a:latin typeface="Arial" panose="020B0604020202020204" pitchFamily="34" charset="0"/>
-                          <a:cs typeface="Arial" panose="020B0604020202020204" pitchFamily="34" charset="0"/>
-                        </a:rPr>
-                        <a:t>()</a:t>
-                      </a:r>
-                    </a:p>
-                  </a:txBody>
-                  <a:tcPr marL="90000" marT="7200" marB="7200"/>
-                </a:tc>
-                <a:extLst>
-                  <a:ext uri="{0D108BD9-81ED-4DB2-BD59-A6C34878D82A}">
-                    <a16:rowId xmlns:a16="http://schemas.microsoft.com/office/drawing/2014/main" val="584654916"/>
-                  </a:ext>
-                </a:extLst>
-              </a:tr>
-              <a:tr h="292199">
-                <a:tc>
-                  <a:txBody>
-                    <a:bodyPr/>
-                    <a:lstStyle/>
-                    <a:p>
-                      <a:r>
-                        <a:rPr lang="en-AU" dirty="0">
-                          <a:latin typeface="Arial" panose="020B0604020202020204" pitchFamily="34" charset="0"/>
-                          <a:cs typeface="Arial" panose="020B0604020202020204" pitchFamily="34" charset="0"/>
-                        </a:rPr>
-                        <a:t>+ public String </a:t>
-                      </a:r>
-                      <a:r>
-                        <a:rPr lang="en-AU" dirty="0" err="1">
-                          <a:latin typeface="Arial" panose="020B0604020202020204" pitchFamily="34" charset="0"/>
-                          <a:cs typeface="Arial" panose="020B0604020202020204" pitchFamily="34" charset="0"/>
-                        </a:rPr>
-                        <a:t>getSpeed</a:t>
-                      </a:r>
-                      <a:r>
-                        <a:rPr lang="en-AU" dirty="0">
-                          <a:latin typeface="Arial" panose="020B0604020202020204" pitchFamily="34" charset="0"/>
-                          <a:cs typeface="Arial" panose="020B0604020202020204" pitchFamily="34" charset="0"/>
-                        </a:rPr>
-                        <a:t>()</a:t>
-                      </a:r>
-                    </a:p>
-                  </a:txBody>
-                  <a:tcPr marL="90000" marT="7200" marB="7200"/>
-                </a:tc>
-                <a:extLst>
-                  <a:ext uri="{0D108BD9-81ED-4DB2-BD59-A6C34878D82A}">
-                    <a16:rowId xmlns:a16="http://schemas.microsoft.com/office/drawing/2014/main" val="3308999091"/>
-                  </a:ext>
-                </a:extLst>
-              </a:tr>
-            </a:tbl>
-          </a:graphicData>
-        </a:graphic>
-      </p:graphicFrame>
-      <p:graphicFrame>
-        <p:nvGraphicFramePr>
-          <p:cNvPr id="14" name="Table 3">
-            <a:extLst>
-              <a:ext uri="{FF2B5EF4-FFF2-40B4-BE49-F238E27FC236}">
-                <a16:creationId xmlns:a16="http://schemas.microsoft.com/office/drawing/2014/main" id="{5F29122E-D129-43F9-BAB2-85EB1AA9BD9C}"/>
-              </a:ext>
-            </a:extLst>
-          </p:cNvPr>
-          <p:cNvGraphicFramePr>
-            <a:graphicFrameLocks noGrp="1"/>
-          </p:cNvGraphicFramePr>
-          <p:nvPr>
-            <p:extLst>
-              <p:ext uri="{D42A27DB-BD31-4B8C-83A1-F6EECF244321}">
-                <p14:modId xmlns:p14="http://schemas.microsoft.com/office/powerpoint/2010/main" val="2224856756"/>
-              </p:ext>
-            </p:extLst>
-          </p:nvPr>
-        </p:nvGraphicFramePr>
-        <p:xfrm>
-          <a:off x="6292905" y="3428999"/>
-          <a:ext cx="5348789" cy="1460995"/>
-        </p:xfrm>
-        <a:graphic>
-          <a:graphicData uri="http://schemas.openxmlformats.org/drawingml/2006/table">
-            <a:tbl>
-              <a:tblPr firstRow="1" bandRow="1">
-                <a:tableStyleId>{7E9639D4-E3E2-4D34-9284-5A2195B3D0D7}</a:tableStyleId>
-              </a:tblPr>
-              <a:tblGrid>
-                <a:gridCol w="5348789">
-                  <a:extLst>
-                    <a:ext uri="{9D8B030D-6E8A-4147-A177-3AD203B41FA5}">
-                      <a16:colId xmlns:a16="http://schemas.microsoft.com/office/drawing/2014/main" val="2489794988"/>
-                    </a:ext>
-                  </a:extLst>
-                </a:gridCol>
-              </a:tblGrid>
-              <a:tr h="292199">
-                <a:tc>
-                  <a:txBody>
-                    <a:bodyPr/>
-                    <a:lstStyle/>
-                    <a:p>
-                      <a:pPr algn="ctr"/>
-                      <a:r>
-                        <a:rPr lang="en-AU" dirty="0">
-                          <a:latin typeface="Arial" panose="020B0604020202020204" pitchFamily="34" charset="0"/>
-                          <a:cs typeface="Arial" panose="020B0604020202020204" pitchFamily="34" charset="0"/>
-                        </a:rPr>
-                        <a:t>Koala</a:t>
-                      </a:r>
-                    </a:p>
-                  </a:txBody>
-                  <a:tcPr marL="90000" marT="7200" marB="7200"/>
-                </a:tc>
-                <a:extLst>
-                  <a:ext uri="{0D108BD9-81ED-4DB2-BD59-A6C34878D82A}">
-                    <a16:rowId xmlns:a16="http://schemas.microsoft.com/office/drawing/2014/main" val="895658984"/>
-                  </a:ext>
-                </a:extLst>
-              </a:tr>
-              <a:tr h="292199">
-                <a:tc>
-                  <a:txBody>
-                    <a:bodyPr/>
-                    <a:lstStyle/>
-                    <a:p>
-                      <a:r>
-                        <a:rPr lang="en-AU" dirty="0">
-                          <a:latin typeface="Arial" panose="020B0604020202020204" pitchFamily="34" charset="0"/>
-                          <a:cs typeface="Arial" panose="020B0604020202020204" pitchFamily="34" charset="0"/>
-                        </a:rPr>
-                        <a:t>- private int sleep</a:t>
-                      </a:r>
-                    </a:p>
-                  </a:txBody>
-                  <a:tcPr marL="90000" marT="7200" marB="7200"/>
-                </a:tc>
-                <a:extLst>
-                  <a:ext uri="{0D108BD9-81ED-4DB2-BD59-A6C34878D82A}">
-                    <a16:rowId xmlns:a16="http://schemas.microsoft.com/office/drawing/2014/main" val="3061784782"/>
-                  </a:ext>
-                </a:extLst>
-              </a:tr>
-              <a:tr h="292199">
-                <a:tc>
-                  <a:txBody>
-                    <a:bodyPr/>
-                    <a:lstStyle/>
-                    <a:p>
-                      <a:r>
-                        <a:rPr lang="en-AU" dirty="0">
-                          <a:latin typeface="Arial" panose="020B0604020202020204" pitchFamily="34" charset="0"/>
-                          <a:cs typeface="Arial" panose="020B0604020202020204" pitchFamily="34" charset="0"/>
-                        </a:rPr>
-                        <a:t>+ public Koala(String food, int sleep)</a:t>
-                      </a:r>
-                    </a:p>
-                  </a:txBody>
-                  <a:tcPr marL="90000" marT="7200" marB="7200"/>
-                </a:tc>
-                <a:extLst>
-                  <a:ext uri="{0D108BD9-81ED-4DB2-BD59-A6C34878D82A}">
-                    <a16:rowId xmlns:a16="http://schemas.microsoft.com/office/drawing/2014/main" val="4122847577"/>
-                  </a:ext>
-                </a:extLst>
-              </a:tr>
-              <a:tr h="292199">
-                <a:tc>
-                  <a:txBody>
-                    <a:bodyPr/>
-                    <a:lstStyle/>
-                    <a:p>
-                      <a:r>
-                        <a:rPr lang="en-AU" dirty="0">
-                          <a:latin typeface="Arial" panose="020B0604020202020204" pitchFamily="34" charset="0"/>
-                          <a:cs typeface="Arial" panose="020B0604020202020204" pitchFamily="34" charset="0"/>
-                        </a:rPr>
-                        <a:t>+ public void </a:t>
-                      </a:r>
-                      <a:r>
-                        <a:rPr lang="en-AU" dirty="0" err="1">
-                          <a:latin typeface="Arial" panose="020B0604020202020204" pitchFamily="34" charset="0"/>
-                          <a:cs typeface="Arial" panose="020B0604020202020204" pitchFamily="34" charset="0"/>
-                        </a:rPr>
-                        <a:t>toString</a:t>
-                      </a:r>
-                      <a:r>
-                        <a:rPr lang="en-AU" dirty="0">
-                          <a:latin typeface="Arial" panose="020B0604020202020204" pitchFamily="34" charset="0"/>
-                          <a:cs typeface="Arial" panose="020B0604020202020204" pitchFamily="34" charset="0"/>
-                        </a:rPr>
-                        <a:t>()</a:t>
-                      </a:r>
-                    </a:p>
-                  </a:txBody>
-                  <a:tcPr marL="90000" marT="7200" marB="7200"/>
-                </a:tc>
-                <a:extLst>
-                  <a:ext uri="{0D108BD9-81ED-4DB2-BD59-A6C34878D82A}">
-                    <a16:rowId xmlns:a16="http://schemas.microsoft.com/office/drawing/2014/main" val="584654916"/>
-                  </a:ext>
-                </a:extLst>
-              </a:tr>
-              <a:tr h="292199">
-                <a:tc>
-                  <a:txBody>
-                    <a:bodyPr/>
-                    <a:lstStyle/>
-                    <a:p>
-                      <a:r>
-                        <a:rPr lang="en-AU" dirty="0">
-                          <a:latin typeface="Arial" panose="020B0604020202020204" pitchFamily="34" charset="0"/>
-                          <a:cs typeface="Arial" panose="020B0604020202020204" pitchFamily="34" charset="0"/>
-                        </a:rPr>
-                        <a:t>+ public int </a:t>
-                      </a:r>
-                      <a:r>
-                        <a:rPr lang="en-AU" dirty="0" err="1">
-                          <a:latin typeface="Arial" panose="020B0604020202020204" pitchFamily="34" charset="0"/>
-                          <a:cs typeface="Arial" panose="020B0604020202020204" pitchFamily="34" charset="0"/>
-                        </a:rPr>
-                        <a:t>getSleep</a:t>
-                      </a:r>
-                      <a:r>
-                        <a:rPr lang="en-AU" dirty="0">
-                          <a:latin typeface="Arial" panose="020B0604020202020204" pitchFamily="34" charset="0"/>
-                          <a:cs typeface="Arial" panose="020B0604020202020204" pitchFamily="34" charset="0"/>
-                        </a:rPr>
-                        <a:t>()</a:t>
-                      </a:r>
-                    </a:p>
-                  </a:txBody>
-                  <a:tcPr marL="90000" marT="7200" marB="7200"/>
-                </a:tc>
-                <a:extLst>
-                  <a:ext uri="{0D108BD9-81ED-4DB2-BD59-A6C34878D82A}">
-                    <a16:rowId xmlns:a16="http://schemas.microsoft.com/office/drawing/2014/main" val="3308999091"/>
-                  </a:ext>
-                </a:extLst>
-              </a:tr>
-            </a:tbl>
-          </a:graphicData>
-        </a:graphic>
-      </p:graphicFrame>
+      </p:pic>
     </p:spTree>
     <p:extLst>
       <p:ext uri="{BB962C8B-B14F-4D97-AF65-F5344CB8AC3E}">
-        <p14:creationId xmlns:p14="http://schemas.microsoft.com/office/powerpoint/2010/main" val="2047236798"/>
-      </p:ext>
-    </p:extLst>
-  </p:cSld>
-  <p:clrMapOvr>
-    <a:masterClrMapping/>
-  </p:clrMapOvr>
-</p:sld>
-</file>
-
-<file path=ppt/slides/slide3.xml><?xml version="1.0" encoding="utf-8"?>
-<p:sld xmlns:a="http://schemas.openxmlformats.org/drawingml/2006/main" xmlns:r="http://schemas.openxmlformats.org/officeDocument/2006/relationships" xmlns:p="http://schemas.openxmlformats.org/presentationml/2006/main">
-  <p:cSld>
-    <p:spTree>
-      <p:nvGrpSpPr>
-        <p:cNvPr id="1" name=""/>
-        <p:cNvGrpSpPr/>
-        <p:nvPr/>
-      </p:nvGrpSpPr>
-      <p:grpSpPr>
-        <a:xfrm>
-          <a:off x="0" y="0"/>
-          <a:ext cx="0" cy="0"/>
-          <a:chOff x="0" y="0"/>
-          <a:chExt cx="0" cy="0"/>
-        </a:xfrm>
-      </p:grpSpPr>
-      <p:graphicFrame>
-        <p:nvGraphicFramePr>
-          <p:cNvPr id="12" name="Table 3">
-            <a:extLst>
-              <a:ext uri="{FF2B5EF4-FFF2-40B4-BE49-F238E27FC236}">
-                <a16:creationId xmlns:a16="http://schemas.microsoft.com/office/drawing/2014/main" id="{9CC47379-A377-4E37-9D6D-02FE00640223}"/>
-              </a:ext>
-            </a:extLst>
-          </p:cNvPr>
-          <p:cNvGraphicFramePr>
-            <a:graphicFrameLocks noGrp="1"/>
-          </p:cNvGraphicFramePr>
-          <p:nvPr/>
-        </p:nvGraphicFramePr>
-        <p:xfrm>
-          <a:off x="3618511" y="606601"/>
-          <a:ext cx="5348789" cy="1753194"/>
-        </p:xfrm>
-        <a:graphic>
-          <a:graphicData uri="http://schemas.openxmlformats.org/drawingml/2006/table">
-            <a:tbl>
-              <a:tblPr firstRow="1" bandRow="1">
-                <a:tableStyleId>{7E9639D4-E3E2-4D34-9284-5A2195B3D0D7}</a:tableStyleId>
-              </a:tblPr>
-              <a:tblGrid>
-                <a:gridCol w="5348789">
-                  <a:extLst>
-                    <a:ext uri="{9D8B030D-6E8A-4147-A177-3AD203B41FA5}">
-                      <a16:colId xmlns:a16="http://schemas.microsoft.com/office/drawing/2014/main" val="2489794988"/>
-                    </a:ext>
-                  </a:extLst>
-                </a:gridCol>
-              </a:tblGrid>
-              <a:tr h="292199">
-                <a:tc>
-                  <a:txBody>
-                    <a:bodyPr/>
-                    <a:lstStyle/>
-                    <a:p>
-                      <a:pPr algn="ctr"/>
-                      <a:r>
-                        <a:rPr lang="en-AU" dirty="0">
-                          <a:latin typeface="Arial" panose="020B0604020202020204" pitchFamily="34" charset="0"/>
-                          <a:cs typeface="Arial" panose="020B0604020202020204" pitchFamily="34" charset="0"/>
-                        </a:rPr>
-                        <a:t>Animal</a:t>
-                      </a:r>
-                    </a:p>
-                  </a:txBody>
-                  <a:tcPr marL="90000" marT="7200" marB="7200"/>
-                </a:tc>
-                <a:extLst>
-                  <a:ext uri="{0D108BD9-81ED-4DB2-BD59-A6C34878D82A}">
-                    <a16:rowId xmlns:a16="http://schemas.microsoft.com/office/drawing/2014/main" val="895658984"/>
-                  </a:ext>
-                </a:extLst>
-              </a:tr>
-              <a:tr h="292199">
-                <a:tc>
-                  <a:txBody>
-                    <a:bodyPr/>
-                    <a:lstStyle/>
-                    <a:p>
-                      <a:r>
-                        <a:rPr lang="en-AU" dirty="0">
-                          <a:latin typeface="Arial" panose="020B0604020202020204" pitchFamily="34" charset="0"/>
-                          <a:cs typeface="Arial" panose="020B0604020202020204" pitchFamily="34" charset="0"/>
-                        </a:rPr>
-                        <a:t>- private String food</a:t>
-                      </a:r>
-                    </a:p>
-                  </a:txBody>
-                  <a:tcPr marL="90000" marT="7200" marB="7200"/>
-                </a:tc>
-                <a:extLst>
-                  <a:ext uri="{0D108BD9-81ED-4DB2-BD59-A6C34878D82A}">
-                    <a16:rowId xmlns:a16="http://schemas.microsoft.com/office/drawing/2014/main" val="3061784782"/>
-                  </a:ext>
-                </a:extLst>
-              </a:tr>
-              <a:tr h="292199">
-                <a:tc>
-                  <a:txBody>
-                    <a:bodyPr/>
-                    <a:lstStyle/>
-                    <a:p>
-                      <a:r>
-                        <a:rPr lang="en-AU" dirty="0">
-                          <a:latin typeface="Arial" panose="020B0604020202020204" pitchFamily="34" charset="0"/>
-                          <a:cs typeface="Arial" panose="020B0604020202020204" pitchFamily="34" charset="0"/>
-                        </a:rPr>
-                        <a:t>+ public Animal()</a:t>
-                      </a:r>
-                    </a:p>
-                  </a:txBody>
-                  <a:tcPr marL="90000" marT="7200" marB="7200"/>
-                </a:tc>
-                <a:extLst>
-                  <a:ext uri="{0D108BD9-81ED-4DB2-BD59-A6C34878D82A}">
-                    <a16:rowId xmlns:a16="http://schemas.microsoft.com/office/drawing/2014/main" val="4122847577"/>
-                  </a:ext>
-                </a:extLst>
-              </a:tr>
-              <a:tr h="292199">
-                <a:tc>
-                  <a:txBody>
-                    <a:bodyPr/>
-                    <a:lstStyle/>
-                    <a:p>
-                      <a:r>
-                        <a:rPr lang="en-AU" dirty="0">
-                          <a:latin typeface="Arial" panose="020B0604020202020204" pitchFamily="34" charset="0"/>
-                          <a:cs typeface="Arial" panose="020B0604020202020204" pitchFamily="34" charset="0"/>
-                        </a:rPr>
-                        <a:t>+ public Animal(String food)</a:t>
-                      </a:r>
-                    </a:p>
-                  </a:txBody>
-                  <a:tcPr marL="90000" marT="7200" marB="7200"/>
-                </a:tc>
-                <a:extLst>
-                  <a:ext uri="{0D108BD9-81ED-4DB2-BD59-A6C34878D82A}">
-                    <a16:rowId xmlns:a16="http://schemas.microsoft.com/office/drawing/2014/main" val="124832779"/>
-                  </a:ext>
-                </a:extLst>
-              </a:tr>
-              <a:tr h="292199">
-                <a:tc>
-                  <a:txBody>
-                    <a:bodyPr/>
-                    <a:lstStyle/>
-                    <a:p>
-                      <a:r>
-                        <a:rPr lang="en-AU" dirty="0">
-                          <a:latin typeface="Arial" panose="020B0604020202020204" pitchFamily="34" charset="0"/>
-                          <a:cs typeface="Arial" panose="020B0604020202020204" pitchFamily="34" charset="0"/>
-                        </a:rPr>
-                        <a:t>+ public void </a:t>
-                      </a:r>
-                      <a:r>
-                        <a:rPr lang="en-AU" dirty="0" err="1">
-                          <a:latin typeface="Arial" panose="020B0604020202020204" pitchFamily="34" charset="0"/>
-                          <a:cs typeface="Arial" panose="020B0604020202020204" pitchFamily="34" charset="0"/>
-                        </a:rPr>
-                        <a:t>toString</a:t>
-                      </a:r>
-                      <a:r>
-                        <a:rPr lang="en-AU" dirty="0">
-                          <a:latin typeface="Arial" panose="020B0604020202020204" pitchFamily="34" charset="0"/>
-                          <a:cs typeface="Arial" panose="020B0604020202020204" pitchFamily="34" charset="0"/>
-                        </a:rPr>
-                        <a:t>()</a:t>
-                      </a:r>
-                    </a:p>
-                  </a:txBody>
-                  <a:tcPr marL="90000" marT="7200" marB="7200"/>
-                </a:tc>
-                <a:extLst>
-                  <a:ext uri="{0D108BD9-81ED-4DB2-BD59-A6C34878D82A}">
-                    <a16:rowId xmlns:a16="http://schemas.microsoft.com/office/drawing/2014/main" val="584654916"/>
-                  </a:ext>
-                </a:extLst>
-              </a:tr>
-              <a:tr h="292199">
-                <a:tc>
-                  <a:txBody>
-                    <a:bodyPr/>
-                    <a:lstStyle/>
-                    <a:p>
-                      <a:r>
-                        <a:rPr lang="en-AU" dirty="0">
-                          <a:latin typeface="Arial" panose="020B0604020202020204" pitchFamily="34" charset="0"/>
-                          <a:cs typeface="Arial" panose="020B0604020202020204" pitchFamily="34" charset="0"/>
-                        </a:rPr>
-                        <a:t>+ public String </a:t>
-                      </a:r>
-                      <a:r>
-                        <a:rPr lang="en-AU" dirty="0" err="1">
-                          <a:latin typeface="Arial" panose="020B0604020202020204" pitchFamily="34" charset="0"/>
-                          <a:cs typeface="Arial" panose="020B0604020202020204" pitchFamily="34" charset="0"/>
-                        </a:rPr>
-                        <a:t>getFood</a:t>
-                      </a:r>
-                      <a:r>
-                        <a:rPr lang="en-AU" dirty="0">
-                          <a:latin typeface="Arial" panose="020B0604020202020204" pitchFamily="34" charset="0"/>
-                          <a:cs typeface="Arial" panose="020B0604020202020204" pitchFamily="34" charset="0"/>
-                        </a:rPr>
-                        <a:t>()</a:t>
-                      </a:r>
-                    </a:p>
-                  </a:txBody>
-                  <a:tcPr marL="90000" marT="7200" marB="7200"/>
-                </a:tc>
-                <a:extLst>
-                  <a:ext uri="{0D108BD9-81ED-4DB2-BD59-A6C34878D82A}">
-                    <a16:rowId xmlns:a16="http://schemas.microsoft.com/office/drawing/2014/main" val="3308999091"/>
-                  </a:ext>
-                </a:extLst>
-              </a:tr>
-            </a:tbl>
-          </a:graphicData>
-        </a:graphic>
-      </p:graphicFrame>
-      <p:graphicFrame>
-        <p:nvGraphicFramePr>
-          <p:cNvPr id="13" name="Table 3">
-            <a:extLst>
-              <a:ext uri="{FF2B5EF4-FFF2-40B4-BE49-F238E27FC236}">
-                <a16:creationId xmlns:a16="http://schemas.microsoft.com/office/drawing/2014/main" id="{B9C91D15-E207-4DD0-8999-21C02F4EB079}"/>
-              </a:ext>
-            </a:extLst>
-          </p:cNvPr>
-          <p:cNvGraphicFramePr>
-            <a:graphicFrameLocks noGrp="1"/>
-          </p:cNvGraphicFramePr>
-          <p:nvPr/>
-        </p:nvGraphicFramePr>
-        <p:xfrm>
-          <a:off x="559429" y="3429000"/>
-          <a:ext cx="5348789" cy="1460995"/>
-        </p:xfrm>
-        <a:graphic>
-          <a:graphicData uri="http://schemas.openxmlformats.org/drawingml/2006/table">
-            <a:tbl>
-              <a:tblPr firstRow="1" bandRow="1">
-                <a:tableStyleId>{7E9639D4-E3E2-4D34-9284-5A2195B3D0D7}</a:tableStyleId>
-              </a:tblPr>
-              <a:tblGrid>
-                <a:gridCol w="5348789">
-                  <a:extLst>
-                    <a:ext uri="{9D8B030D-6E8A-4147-A177-3AD203B41FA5}">
-                      <a16:colId xmlns:a16="http://schemas.microsoft.com/office/drawing/2014/main" val="2489794988"/>
-                    </a:ext>
-                  </a:extLst>
-                </a:gridCol>
-              </a:tblGrid>
-              <a:tr h="292199">
-                <a:tc>
-                  <a:txBody>
-                    <a:bodyPr/>
-                    <a:lstStyle/>
-                    <a:p>
-                      <a:pPr algn="ctr"/>
-                      <a:r>
-                        <a:rPr lang="en-AU" dirty="0">
-                          <a:latin typeface="Arial" panose="020B0604020202020204" pitchFamily="34" charset="0"/>
-                          <a:cs typeface="Arial" panose="020B0604020202020204" pitchFamily="34" charset="0"/>
-                        </a:rPr>
-                        <a:t>Emu</a:t>
-                      </a:r>
-                    </a:p>
-                  </a:txBody>
-                  <a:tcPr marL="90000" marT="7200" marB="7200"/>
-                </a:tc>
-                <a:extLst>
-                  <a:ext uri="{0D108BD9-81ED-4DB2-BD59-A6C34878D82A}">
-                    <a16:rowId xmlns:a16="http://schemas.microsoft.com/office/drawing/2014/main" val="895658984"/>
-                  </a:ext>
-                </a:extLst>
-              </a:tr>
-              <a:tr h="292199">
-                <a:tc>
-                  <a:txBody>
-                    <a:bodyPr/>
-                    <a:lstStyle/>
-                    <a:p>
-                      <a:r>
-                        <a:rPr lang="en-AU" dirty="0">
-                          <a:latin typeface="Arial" panose="020B0604020202020204" pitchFamily="34" charset="0"/>
-                          <a:cs typeface="Arial" panose="020B0604020202020204" pitchFamily="34" charset="0"/>
-                        </a:rPr>
-                        <a:t>- private double speed</a:t>
-                      </a:r>
-                    </a:p>
-                  </a:txBody>
-                  <a:tcPr marL="90000" marT="7200" marB="7200"/>
-                </a:tc>
-                <a:extLst>
-                  <a:ext uri="{0D108BD9-81ED-4DB2-BD59-A6C34878D82A}">
-                    <a16:rowId xmlns:a16="http://schemas.microsoft.com/office/drawing/2014/main" val="3061784782"/>
-                  </a:ext>
-                </a:extLst>
-              </a:tr>
-              <a:tr h="292199">
-                <a:tc>
-                  <a:txBody>
-                    <a:bodyPr/>
-                    <a:lstStyle/>
-                    <a:p>
-                      <a:r>
-                        <a:rPr lang="en-AU" dirty="0">
-                          <a:latin typeface="Arial" panose="020B0604020202020204" pitchFamily="34" charset="0"/>
-                          <a:cs typeface="Arial" panose="020B0604020202020204" pitchFamily="34" charset="0"/>
-                        </a:rPr>
-                        <a:t>+ public Emu(double speed)</a:t>
-                      </a:r>
-                    </a:p>
-                  </a:txBody>
-                  <a:tcPr marL="90000" marT="7200" marB="7200"/>
-                </a:tc>
-                <a:extLst>
-                  <a:ext uri="{0D108BD9-81ED-4DB2-BD59-A6C34878D82A}">
-                    <a16:rowId xmlns:a16="http://schemas.microsoft.com/office/drawing/2014/main" val="4122847577"/>
-                  </a:ext>
-                </a:extLst>
-              </a:tr>
-              <a:tr h="292199">
-                <a:tc>
-                  <a:txBody>
-                    <a:bodyPr/>
-                    <a:lstStyle/>
-                    <a:p>
-                      <a:r>
-                        <a:rPr lang="en-AU" dirty="0">
-                          <a:latin typeface="Arial" panose="020B0604020202020204" pitchFamily="34" charset="0"/>
-                          <a:cs typeface="Arial" panose="020B0604020202020204" pitchFamily="34" charset="0"/>
-                        </a:rPr>
-                        <a:t>+ public void </a:t>
-                      </a:r>
-                      <a:r>
-                        <a:rPr lang="en-AU" dirty="0" err="1">
-                          <a:latin typeface="Arial" panose="020B0604020202020204" pitchFamily="34" charset="0"/>
-                          <a:cs typeface="Arial" panose="020B0604020202020204" pitchFamily="34" charset="0"/>
-                        </a:rPr>
-                        <a:t>toString</a:t>
-                      </a:r>
-                      <a:r>
-                        <a:rPr lang="en-AU" dirty="0">
-                          <a:latin typeface="Arial" panose="020B0604020202020204" pitchFamily="34" charset="0"/>
-                          <a:cs typeface="Arial" panose="020B0604020202020204" pitchFamily="34" charset="0"/>
-                        </a:rPr>
-                        <a:t>()</a:t>
-                      </a:r>
-                    </a:p>
-                  </a:txBody>
-                  <a:tcPr marL="90000" marT="7200" marB="7200"/>
-                </a:tc>
-                <a:extLst>
-                  <a:ext uri="{0D108BD9-81ED-4DB2-BD59-A6C34878D82A}">
-                    <a16:rowId xmlns:a16="http://schemas.microsoft.com/office/drawing/2014/main" val="584654916"/>
-                  </a:ext>
-                </a:extLst>
-              </a:tr>
-              <a:tr h="292199">
-                <a:tc>
-                  <a:txBody>
-                    <a:bodyPr/>
-                    <a:lstStyle/>
-                    <a:p>
-                      <a:r>
-                        <a:rPr lang="en-AU" dirty="0">
-                          <a:latin typeface="Arial" panose="020B0604020202020204" pitchFamily="34" charset="0"/>
-                          <a:cs typeface="Arial" panose="020B0604020202020204" pitchFamily="34" charset="0"/>
-                        </a:rPr>
-                        <a:t>+ public String </a:t>
-                      </a:r>
-                      <a:r>
-                        <a:rPr lang="en-AU" dirty="0" err="1">
-                          <a:latin typeface="Arial" panose="020B0604020202020204" pitchFamily="34" charset="0"/>
-                          <a:cs typeface="Arial" panose="020B0604020202020204" pitchFamily="34" charset="0"/>
-                        </a:rPr>
-                        <a:t>getSpeed</a:t>
-                      </a:r>
-                      <a:r>
-                        <a:rPr lang="en-AU" dirty="0">
-                          <a:latin typeface="Arial" panose="020B0604020202020204" pitchFamily="34" charset="0"/>
-                          <a:cs typeface="Arial" panose="020B0604020202020204" pitchFamily="34" charset="0"/>
-                        </a:rPr>
-                        <a:t>()</a:t>
-                      </a:r>
-                    </a:p>
-                  </a:txBody>
-                  <a:tcPr marL="90000" marT="7200" marB="7200"/>
-                </a:tc>
-                <a:extLst>
-                  <a:ext uri="{0D108BD9-81ED-4DB2-BD59-A6C34878D82A}">
-                    <a16:rowId xmlns:a16="http://schemas.microsoft.com/office/drawing/2014/main" val="3308999091"/>
-                  </a:ext>
-                </a:extLst>
-              </a:tr>
-            </a:tbl>
-          </a:graphicData>
-        </a:graphic>
-      </p:graphicFrame>
-      <p:graphicFrame>
-        <p:nvGraphicFramePr>
-          <p:cNvPr id="14" name="Table 3">
-            <a:extLst>
-              <a:ext uri="{FF2B5EF4-FFF2-40B4-BE49-F238E27FC236}">
-                <a16:creationId xmlns:a16="http://schemas.microsoft.com/office/drawing/2014/main" id="{5F29122E-D129-43F9-BAB2-85EB1AA9BD9C}"/>
-              </a:ext>
-            </a:extLst>
-          </p:cNvPr>
-          <p:cNvGraphicFramePr>
-            <a:graphicFrameLocks noGrp="1"/>
-          </p:cNvGraphicFramePr>
-          <p:nvPr/>
-        </p:nvGraphicFramePr>
-        <p:xfrm>
-          <a:off x="6292905" y="3428999"/>
-          <a:ext cx="5348789" cy="1460995"/>
-        </p:xfrm>
-        <a:graphic>
-          <a:graphicData uri="http://schemas.openxmlformats.org/drawingml/2006/table">
-            <a:tbl>
-              <a:tblPr firstRow="1" bandRow="1">
-                <a:tableStyleId>{7E9639D4-E3E2-4D34-9284-5A2195B3D0D7}</a:tableStyleId>
-              </a:tblPr>
-              <a:tblGrid>
-                <a:gridCol w="5348789">
-                  <a:extLst>
-                    <a:ext uri="{9D8B030D-6E8A-4147-A177-3AD203B41FA5}">
-                      <a16:colId xmlns:a16="http://schemas.microsoft.com/office/drawing/2014/main" val="2489794988"/>
-                    </a:ext>
-                  </a:extLst>
-                </a:gridCol>
-              </a:tblGrid>
-              <a:tr h="292199">
-                <a:tc>
-                  <a:txBody>
-                    <a:bodyPr/>
-                    <a:lstStyle/>
-                    <a:p>
-                      <a:pPr algn="ctr"/>
-                      <a:r>
-                        <a:rPr lang="en-AU" dirty="0">
-                          <a:latin typeface="Arial" panose="020B0604020202020204" pitchFamily="34" charset="0"/>
-                          <a:cs typeface="Arial" panose="020B0604020202020204" pitchFamily="34" charset="0"/>
-                        </a:rPr>
-                        <a:t>Koala</a:t>
-                      </a:r>
-                    </a:p>
-                  </a:txBody>
-                  <a:tcPr marL="90000" marT="7200" marB="7200"/>
-                </a:tc>
-                <a:extLst>
-                  <a:ext uri="{0D108BD9-81ED-4DB2-BD59-A6C34878D82A}">
-                    <a16:rowId xmlns:a16="http://schemas.microsoft.com/office/drawing/2014/main" val="895658984"/>
-                  </a:ext>
-                </a:extLst>
-              </a:tr>
-              <a:tr h="292199">
-                <a:tc>
-                  <a:txBody>
-                    <a:bodyPr/>
-                    <a:lstStyle/>
-                    <a:p>
-                      <a:r>
-                        <a:rPr lang="en-AU" dirty="0">
-                          <a:latin typeface="Arial" panose="020B0604020202020204" pitchFamily="34" charset="0"/>
-                          <a:cs typeface="Arial" panose="020B0604020202020204" pitchFamily="34" charset="0"/>
-                        </a:rPr>
-                        <a:t>- private int sleep</a:t>
-                      </a:r>
-                    </a:p>
-                  </a:txBody>
-                  <a:tcPr marL="90000" marT="7200" marB="7200"/>
-                </a:tc>
-                <a:extLst>
-                  <a:ext uri="{0D108BD9-81ED-4DB2-BD59-A6C34878D82A}">
-                    <a16:rowId xmlns:a16="http://schemas.microsoft.com/office/drawing/2014/main" val="3061784782"/>
-                  </a:ext>
-                </a:extLst>
-              </a:tr>
-              <a:tr h="292199">
-                <a:tc>
-                  <a:txBody>
-                    <a:bodyPr/>
-                    <a:lstStyle/>
-                    <a:p>
-                      <a:r>
-                        <a:rPr lang="en-AU" dirty="0">
-                          <a:latin typeface="Arial" panose="020B0604020202020204" pitchFamily="34" charset="0"/>
-                          <a:cs typeface="Arial" panose="020B0604020202020204" pitchFamily="34" charset="0"/>
-                        </a:rPr>
-                        <a:t>+ public Koala(String food, int sleep)</a:t>
-                      </a:r>
-                    </a:p>
-                  </a:txBody>
-                  <a:tcPr marL="90000" marT="7200" marB="7200"/>
-                </a:tc>
-                <a:extLst>
-                  <a:ext uri="{0D108BD9-81ED-4DB2-BD59-A6C34878D82A}">
-                    <a16:rowId xmlns:a16="http://schemas.microsoft.com/office/drawing/2014/main" val="4122847577"/>
-                  </a:ext>
-                </a:extLst>
-              </a:tr>
-              <a:tr h="292199">
-                <a:tc>
-                  <a:txBody>
-                    <a:bodyPr/>
-                    <a:lstStyle/>
-                    <a:p>
-                      <a:r>
-                        <a:rPr lang="en-AU" dirty="0">
-                          <a:latin typeface="Arial" panose="020B0604020202020204" pitchFamily="34" charset="0"/>
-                          <a:cs typeface="Arial" panose="020B0604020202020204" pitchFamily="34" charset="0"/>
-                        </a:rPr>
-                        <a:t>+ public void </a:t>
-                      </a:r>
-                      <a:r>
-                        <a:rPr lang="en-AU" dirty="0" err="1">
-                          <a:latin typeface="Arial" panose="020B0604020202020204" pitchFamily="34" charset="0"/>
-                          <a:cs typeface="Arial" panose="020B0604020202020204" pitchFamily="34" charset="0"/>
-                        </a:rPr>
-                        <a:t>toString</a:t>
-                      </a:r>
-                      <a:r>
-                        <a:rPr lang="en-AU" dirty="0">
-                          <a:latin typeface="Arial" panose="020B0604020202020204" pitchFamily="34" charset="0"/>
-                          <a:cs typeface="Arial" panose="020B0604020202020204" pitchFamily="34" charset="0"/>
-                        </a:rPr>
-                        <a:t>()</a:t>
-                      </a:r>
-                    </a:p>
-                  </a:txBody>
-                  <a:tcPr marL="90000" marT="7200" marB="7200"/>
-                </a:tc>
-                <a:extLst>
-                  <a:ext uri="{0D108BD9-81ED-4DB2-BD59-A6C34878D82A}">
-                    <a16:rowId xmlns:a16="http://schemas.microsoft.com/office/drawing/2014/main" val="584654916"/>
-                  </a:ext>
-                </a:extLst>
-              </a:tr>
-              <a:tr h="292199">
-                <a:tc>
-                  <a:txBody>
-                    <a:bodyPr/>
-                    <a:lstStyle/>
-                    <a:p>
-                      <a:r>
-                        <a:rPr lang="en-AU" dirty="0">
-                          <a:latin typeface="Arial" panose="020B0604020202020204" pitchFamily="34" charset="0"/>
-                          <a:cs typeface="Arial" panose="020B0604020202020204" pitchFamily="34" charset="0"/>
-                        </a:rPr>
-                        <a:t>+ public int </a:t>
-                      </a:r>
-                      <a:r>
-                        <a:rPr lang="en-AU" dirty="0" err="1">
-                          <a:latin typeface="Arial" panose="020B0604020202020204" pitchFamily="34" charset="0"/>
-                          <a:cs typeface="Arial" panose="020B0604020202020204" pitchFamily="34" charset="0"/>
-                        </a:rPr>
-                        <a:t>getSleep</a:t>
-                      </a:r>
-                      <a:r>
-                        <a:rPr lang="en-AU" dirty="0">
-                          <a:latin typeface="Arial" panose="020B0604020202020204" pitchFamily="34" charset="0"/>
-                          <a:cs typeface="Arial" panose="020B0604020202020204" pitchFamily="34" charset="0"/>
-                        </a:rPr>
-                        <a:t>()</a:t>
-                      </a:r>
-                    </a:p>
-                  </a:txBody>
-                  <a:tcPr marL="90000" marT="7200" marB="7200"/>
-                </a:tc>
-                <a:extLst>
-                  <a:ext uri="{0D108BD9-81ED-4DB2-BD59-A6C34878D82A}">
-                    <a16:rowId xmlns:a16="http://schemas.microsoft.com/office/drawing/2014/main" val="3308999091"/>
-                  </a:ext>
-                </a:extLst>
-              </a:tr>
-            </a:tbl>
-          </a:graphicData>
-        </a:graphic>
-      </p:graphicFrame>
-    </p:spTree>
-    <p:extLst>
-      <p:ext uri="{BB962C8B-B14F-4D97-AF65-F5344CB8AC3E}">
-        <p14:creationId xmlns:p14="http://schemas.microsoft.com/office/powerpoint/2010/main" val="4193371245"/>
+        <p14:creationId xmlns:p14="http://schemas.microsoft.com/office/powerpoint/2010/main" val="2434492993"/>
       </p:ext>
     </p:extLst>
   </p:cSld>
@@ -5680,9 +4009,12 @@
 </file>
 
 <file path=customXml/item1.xml><?xml version="1.0" encoding="utf-8"?>
-<p:properties xmlns:p="http://schemas.microsoft.com/office/2006/metadata/properties" xmlns:xsi="http://www.w3.org/2001/XMLSchema-instance" xmlns:pc="http://schemas.microsoft.com/office/infopath/2007/PartnerControls">
-  <documentManagement/>
-</p:properties>
+<?mso-contentType ?>
+<FormTemplates xmlns="http://schemas.microsoft.com/sharepoint/v3/contenttype/forms">
+  <Display>DocumentLibraryForm</Display>
+  <Edit>DocumentLibraryForm</Edit>
+  <New>DocumentLibraryForm</New>
+</FormTemplates>
 </file>
 
 <file path=customXml/item2.xml><?xml version="1.0" encoding="utf-8"?>
@@ -5923,27 +4255,15 @@
 </file>
 
 <file path=customXml/item3.xml><?xml version="1.0" encoding="utf-8"?>
-<?mso-contentType ?>
-<FormTemplates xmlns="http://schemas.microsoft.com/sharepoint/v3/contenttype/forms">
-  <Display>DocumentLibraryForm</Display>
-  <Edit>DocumentLibraryForm</Edit>
-  <New>DocumentLibraryForm</New>
-</FormTemplates>
+<p:properties xmlns:p="http://schemas.microsoft.com/office/2006/metadata/properties" xmlns:xsi="http://www.w3.org/2001/XMLSchema-instance" xmlns:pc="http://schemas.microsoft.com/office/infopath/2007/PartnerControls">
+  <documentManagement/>
+</p:properties>
 </file>
 
 <file path=customXml/itemProps1.xml><?xml version="1.0" encoding="utf-8"?>
-<ds:datastoreItem xmlns:ds="http://schemas.openxmlformats.org/officeDocument/2006/customXml" ds:itemID="{F69ED5F8-608B-489A-BDCF-C856FF183B36}">
+<ds:datastoreItem xmlns:ds="http://schemas.openxmlformats.org/officeDocument/2006/customXml" ds:itemID="{8D04D959-D2B4-44F5-8E85-2D3B6F3F223E}">
   <ds:schemaRefs>
-    <ds:schemaRef ds:uri="http://purl.org/dc/terms/"/>
-    <ds:schemaRef ds:uri="http://schemas.microsoft.com/office/2006/metadata/properties"/>
-    <ds:schemaRef ds:uri="http://schemas.microsoft.com/office/infopath/2007/PartnerControls"/>
-    <ds:schemaRef ds:uri="http://www.w3.org/XML/1998/namespace"/>
-    <ds:schemaRef ds:uri="bd44e2ee-3c8b-430e-a5d4-7c9e45a5e279"/>
-    <ds:schemaRef ds:uri="http://schemas.microsoft.com/office/2006/documentManagement/types"/>
-    <ds:schemaRef ds:uri="9f712a78-d248-4d8e-9efc-913250726f4d"/>
-    <ds:schemaRef ds:uri="http://purl.org/dc/dcmitype/"/>
-    <ds:schemaRef ds:uri="http://schemas.openxmlformats.org/package/2006/metadata/core-properties"/>
-    <ds:schemaRef ds:uri="http://purl.org/dc/elements/1.1/"/>
+    <ds:schemaRef ds:uri="http://schemas.microsoft.com/sharepoint/v3/contenttype/forms"/>
   </ds:schemaRefs>
 </ds:datastoreItem>
 </file>
@@ -5968,9 +4288,18 @@
 </file>
 
 <file path=customXml/itemProps3.xml><?xml version="1.0" encoding="utf-8"?>
-<ds:datastoreItem xmlns:ds="http://schemas.openxmlformats.org/officeDocument/2006/customXml" ds:itemID="{8D04D959-D2B4-44F5-8E85-2D3B6F3F223E}">
+<ds:datastoreItem xmlns:ds="http://schemas.openxmlformats.org/officeDocument/2006/customXml" ds:itemID="{F69ED5F8-608B-489A-BDCF-C856FF183B36}">
   <ds:schemaRefs>
-    <ds:schemaRef ds:uri="http://schemas.microsoft.com/sharepoint/v3/contenttype/forms"/>
+    <ds:schemaRef ds:uri="http://purl.org/dc/terms/"/>
+    <ds:schemaRef ds:uri="http://schemas.microsoft.com/office/2006/metadata/properties"/>
+    <ds:schemaRef ds:uri="http://schemas.microsoft.com/office/infopath/2007/PartnerControls"/>
+    <ds:schemaRef ds:uri="http://www.w3.org/XML/1998/namespace"/>
+    <ds:schemaRef ds:uri="bd44e2ee-3c8b-430e-a5d4-7c9e45a5e279"/>
+    <ds:schemaRef ds:uri="http://schemas.microsoft.com/office/2006/documentManagement/types"/>
+    <ds:schemaRef ds:uri="9f712a78-d248-4d8e-9efc-913250726f4d"/>
+    <ds:schemaRef ds:uri="http://purl.org/dc/dcmitype/"/>
+    <ds:schemaRef ds:uri="http://schemas.openxmlformats.org/package/2006/metadata/core-properties"/>
+    <ds:schemaRef ds:uri="http://purl.org/dc/elements/1.1/"/>
   </ds:schemaRefs>
 </ds:datastoreItem>
 </file>
--- a/ws_week12/SlideImages.pptx
+++ b/ws_week12/SlideImages.pptx
@@ -3628,22 +3628,22 @@
               <a:t>MAC: </a:t>
             </a:r>
             <a:r>
-              <a:rPr lang="en-GB" b="1" dirty="0" err="1">
+              <a:rPr lang="en-GB" b="1" err="1">
                 <a:solidFill>
                   <a:srgbClr val="FF0000"/>
                 </a:solidFill>
                 <a:latin typeface="JetBrains Mono" panose="020B0509020102050004" pitchFamily="49" charset="0"/>
               </a:rPr>
-              <a:t>cmd+C</a:t>
-            </a:r>
-            <a:r>
-              <a:rPr lang="en-GB" b="1" dirty="0">
+              <a:t>cmd</a:t>
+            </a:r>
+            <a:r>
+              <a:rPr lang="en-GB" b="1">
                 <a:solidFill>
                   <a:srgbClr val="FF0000"/>
                 </a:solidFill>
                 <a:latin typeface="JetBrains Mono" panose="020B0509020102050004" pitchFamily="49" charset="0"/>
               </a:rPr>
-              <a:t> </a:t>
+              <a:t>+V </a:t>
             </a:r>
             <a:r>
               <a:rPr lang="en-AU" b="1" dirty="0">
@@ -4009,12 +4009,9 @@
 </file>
 
 <file path=customXml/item1.xml><?xml version="1.0" encoding="utf-8"?>
-<?mso-contentType ?>
-<FormTemplates xmlns="http://schemas.microsoft.com/sharepoint/v3/contenttype/forms">
-  <Display>DocumentLibraryForm</Display>
-  <Edit>DocumentLibraryForm</Edit>
-  <New>DocumentLibraryForm</New>
-</FormTemplates>
+<p:properties xmlns:p="http://schemas.microsoft.com/office/2006/metadata/properties" xmlns:xsi="http://www.w3.org/2001/XMLSchema-instance" xmlns:pc="http://schemas.microsoft.com/office/infopath/2007/PartnerControls">
+  <documentManagement/>
+</p:properties>
 </file>
 
 <file path=customXml/item2.xml><?xml version="1.0" encoding="utf-8"?>
@@ -4255,15 +4252,27 @@
 </file>
 
 <file path=customXml/item3.xml><?xml version="1.0" encoding="utf-8"?>
-<p:properties xmlns:p="http://schemas.microsoft.com/office/2006/metadata/properties" xmlns:xsi="http://www.w3.org/2001/XMLSchema-instance" xmlns:pc="http://schemas.microsoft.com/office/infopath/2007/PartnerControls">
-  <documentManagement/>
-</p:properties>
+<?mso-contentType ?>
+<FormTemplates xmlns="http://schemas.microsoft.com/sharepoint/v3/contenttype/forms">
+  <Display>DocumentLibraryForm</Display>
+  <Edit>DocumentLibraryForm</Edit>
+  <New>DocumentLibraryForm</New>
+</FormTemplates>
 </file>
 
 <file path=customXml/itemProps1.xml><?xml version="1.0" encoding="utf-8"?>
-<ds:datastoreItem xmlns:ds="http://schemas.openxmlformats.org/officeDocument/2006/customXml" ds:itemID="{8D04D959-D2B4-44F5-8E85-2D3B6F3F223E}">
+<ds:datastoreItem xmlns:ds="http://schemas.openxmlformats.org/officeDocument/2006/customXml" ds:itemID="{F69ED5F8-608B-489A-BDCF-C856FF183B36}">
   <ds:schemaRefs>
-    <ds:schemaRef ds:uri="http://schemas.microsoft.com/sharepoint/v3/contenttype/forms"/>
+    <ds:schemaRef ds:uri="http://purl.org/dc/terms/"/>
+    <ds:schemaRef ds:uri="http://schemas.microsoft.com/office/2006/metadata/properties"/>
+    <ds:schemaRef ds:uri="http://schemas.microsoft.com/office/infopath/2007/PartnerControls"/>
+    <ds:schemaRef ds:uri="http://www.w3.org/XML/1998/namespace"/>
+    <ds:schemaRef ds:uri="bd44e2ee-3c8b-430e-a5d4-7c9e45a5e279"/>
+    <ds:schemaRef ds:uri="http://schemas.microsoft.com/office/2006/documentManagement/types"/>
+    <ds:schemaRef ds:uri="9f712a78-d248-4d8e-9efc-913250726f4d"/>
+    <ds:schemaRef ds:uri="http://purl.org/dc/dcmitype/"/>
+    <ds:schemaRef ds:uri="http://schemas.openxmlformats.org/package/2006/metadata/core-properties"/>
+    <ds:schemaRef ds:uri="http://purl.org/dc/elements/1.1/"/>
   </ds:schemaRefs>
 </ds:datastoreItem>
 </file>
@@ -4288,18 +4297,9 @@
 </file>
 
 <file path=customXml/itemProps3.xml><?xml version="1.0" encoding="utf-8"?>
-<ds:datastoreItem xmlns:ds="http://schemas.openxmlformats.org/officeDocument/2006/customXml" ds:itemID="{F69ED5F8-608B-489A-BDCF-C856FF183B36}">
+<ds:datastoreItem xmlns:ds="http://schemas.openxmlformats.org/officeDocument/2006/customXml" ds:itemID="{8D04D959-D2B4-44F5-8E85-2D3B6F3F223E}">
   <ds:schemaRefs>
-    <ds:schemaRef ds:uri="http://purl.org/dc/terms/"/>
-    <ds:schemaRef ds:uri="http://schemas.microsoft.com/office/2006/metadata/properties"/>
-    <ds:schemaRef ds:uri="http://schemas.microsoft.com/office/infopath/2007/PartnerControls"/>
-    <ds:schemaRef ds:uri="http://www.w3.org/XML/1998/namespace"/>
-    <ds:schemaRef ds:uri="bd44e2ee-3c8b-430e-a5d4-7c9e45a5e279"/>
-    <ds:schemaRef ds:uri="http://schemas.microsoft.com/office/2006/documentManagement/types"/>
-    <ds:schemaRef ds:uri="9f712a78-d248-4d8e-9efc-913250726f4d"/>
-    <ds:schemaRef ds:uri="http://purl.org/dc/dcmitype/"/>
-    <ds:schemaRef ds:uri="http://schemas.openxmlformats.org/package/2006/metadata/core-properties"/>
-    <ds:schemaRef ds:uri="http://purl.org/dc/elements/1.1/"/>
+    <ds:schemaRef ds:uri="http://schemas.microsoft.com/sharepoint/v3/contenttype/forms"/>
   </ds:schemaRefs>
 </ds:datastoreItem>
 </file>
--- a/ws_week12/SlideImages.pptx
+++ b/ws_week12/SlideImages.pptx
@@ -7,6 +7,7 @@
   <p:sldIdLst>
     <p:sldId id="263" r:id="rId5"/>
     <p:sldId id="264" r:id="rId6"/>
+    <p:sldId id="265" r:id="rId7"/>
   </p:sldIdLst>
   <p:sldSz cx="12192000" cy="6858000"/>
   <p:notesSz cx="6858000" cy="9144000"/>
@@ -3713,6 +3714,660 @@
 </p:sld>
 </file>
 
+<file path=ppt/slides/slide3.xml><?xml version="1.0" encoding="utf-8"?>
+<p:sld xmlns:a="http://schemas.openxmlformats.org/drawingml/2006/main" xmlns:r="http://schemas.openxmlformats.org/officeDocument/2006/relationships" xmlns:p="http://schemas.openxmlformats.org/presentationml/2006/main">
+  <p:cSld>
+    <p:bg>
+      <p:bgPr>
+        <a:noFill/>
+        <a:effectLst/>
+      </p:bgPr>
+    </p:bg>
+    <p:spTree>
+      <p:nvGrpSpPr>
+        <p:cNvPr id="1" name=""/>
+        <p:cNvGrpSpPr/>
+        <p:nvPr/>
+      </p:nvGrpSpPr>
+      <p:grpSpPr>
+        <a:xfrm>
+          <a:off x="0" y="0"/>
+          <a:ext cx="0" cy="0"/>
+          <a:chOff x="0" y="0"/>
+          <a:chExt cx="0" cy="0"/>
+        </a:xfrm>
+      </p:grpSpPr>
+      <p:graphicFrame>
+        <p:nvGraphicFramePr>
+          <p:cNvPr id="2" name="Table 1">
+            <a:extLst>
+              <a:ext uri="{FF2B5EF4-FFF2-40B4-BE49-F238E27FC236}">
+                <a16:creationId xmlns:a16="http://schemas.microsoft.com/office/drawing/2014/main" id="{E4A38B69-BBC5-4637-BBEC-9AA7DC1B2215}"/>
+              </a:ext>
+            </a:extLst>
+          </p:cNvPr>
+          <p:cNvGraphicFramePr>
+            <a:graphicFrameLocks noGrp="1"/>
+          </p:cNvGraphicFramePr>
+          <p:nvPr>
+            <p:extLst>
+              <p:ext uri="{D42A27DB-BD31-4B8C-83A1-F6EECF244321}">
+                <p14:modId xmlns:p14="http://schemas.microsoft.com/office/powerpoint/2010/main" val="1078905107"/>
+              </p:ext>
+            </p:extLst>
+          </p:nvPr>
+        </p:nvGraphicFramePr>
+        <p:xfrm>
+          <a:off x="962025" y="1797384"/>
+          <a:ext cx="10359910" cy="4186380"/>
+        </p:xfrm>
+        <a:graphic>
+          <a:graphicData uri="http://schemas.openxmlformats.org/drawingml/2006/table">
+            <a:tbl>
+              <a:tblPr>
+                <a:tableStyleId>{E8B1032C-EA38-4F05-BA0D-38AFFFC7BED3}</a:tableStyleId>
+              </a:tblPr>
+              <a:tblGrid>
+                <a:gridCol w="2676525">
+                  <a:extLst>
+                    <a:ext uri="{9D8B030D-6E8A-4147-A177-3AD203B41FA5}">
+                      <a16:colId xmlns:a16="http://schemas.microsoft.com/office/drawing/2014/main" val="781182839"/>
+                    </a:ext>
+                  </a:extLst>
+                </a:gridCol>
+                <a:gridCol w="7683385">
+                  <a:extLst>
+                    <a:ext uri="{9D8B030D-6E8A-4147-A177-3AD203B41FA5}">
+                      <a16:colId xmlns:a16="http://schemas.microsoft.com/office/drawing/2014/main" val="645835508"/>
+                    </a:ext>
+                  </a:extLst>
+                </a:gridCol>
+              </a:tblGrid>
+              <a:tr h="225741">
+                <a:tc>
+                  <a:txBody>
+                    <a:bodyPr/>
+                    <a:lstStyle/>
+                    <a:p>
+                      <a:pPr algn="ctr" fontAlgn="t"/>
+                      <a:r>
+                        <a:rPr lang="en-AU" sz="2000" dirty="0">
+                          <a:effectLst/>
+                        </a:rPr>
+                        <a:t>Method</a:t>
+                      </a:r>
+                    </a:p>
+                  </a:txBody>
+                  <a:tcPr marL="41679" marR="41679" marT="41679" marB="41679"/>
+                </a:tc>
+                <a:tc>
+                  <a:txBody>
+                    <a:bodyPr/>
+                    <a:lstStyle/>
+                    <a:p>
+                      <a:pPr algn="ctr" fontAlgn="t"/>
+                      <a:r>
+                        <a:rPr lang="en-AU" sz="2000" dirty="0">
+                          <a:effectLst/>
+                        </a:rPr>
+                        <a:t>Description</a:t>
+                      </a:r>
+                    </a:p>
+                  </a:txBody>
+                  <a:tcPr marL="41679" marR="41679" marT="41679" marB="41679"/>
+                </a:tc>
+                <a:extLst>
+                  <a:ext uri="{0D108BD9-81ED-4DB2-BD59-A6C34878D82A}">
+                    <a16:rowId xmlns:a16="http://schemas.microsoft.com/office/drawing/2014/main" val="1129700350"/>
+                  </a:ext>
+                </a:extLst>
+              </a:tr>
+              <a:tr h="225741">
+                <a:tc>
+                  <a:txBody>
+                    <a:bodyPr/>
+                    <a:lstStyle/>
+                    <a:p>
+                      <a:pPr algn="just" fontAlgn="t"/>
+                      <a:r>
+                        <a:rPr lang="en-GB" sz="2000" u="none" strike="noStrike" dirty="0" err="1">
+                          <a:effectLst/>
+                          <a:hlinkClick r:id="rId2"/>
+                        </a:rPr>
+                        <a:t>isLetter</a:t>
+                      </a:r>
+                      <a:r>
+                        <a:rPr lang="en-GB" sz="2000" u="none" strike="noStrike" dirty="0">
+                          <a:effectLst/>
+                          <a:hlinkClick r:id="rId2"/>
+                        </a:rPr>
+                        <a:t>()</a:t>
+                      </a:r>
+                      <a:endParaRPr lang="en-GB" sz="2000" dirty="0">
+                        <a:solidFill>
+                          <a:srgbClr val="000000"/>
+                        </a:solidFill>
+                        <a:effectLst/>
+                      </a:endParaRPr>
+                    </a:p>
+                  </a:txBody>
+                  <a:tcPr marL="41679" marR="41679" marT="41679" marB="41679"/>
+                </a:tc>
+                <a:tc>
+                  <a:txBody>
+                    <a:bodyPr/>
+                    <a:lstStyle/>
+                    <a:p>
+                      <a:pPr algn="just" fontAlgn="t"/>
+                      <a:r>
+                        <a:rPr lang="en-GB" sz="2000" dirty="0">
+                          <a:effectLst/>
+                        </a:rPr>
+                        <a:t>Determines whether the specified char value is a letter.</a:t>
+                      </a:r>
+                      <a:endParaRPr lang="en-GB" sz="2000" dirty="0">
+                        <a:solidFill>
+                          <a:srgbClr val="000000"/>
+                        </a:solidFill>
+                        <a:effectLst/>
+                      </a:endParaRPr>
+                    </a:p>
+                  </a:txBody>
+                  <a:tcPr marL="41679" marR="41679" marT="41679" marB="41679"/>
+                </a:tc>
+                <a:extLst>
+                  <a:ext uri="{0D108BD9-81ED-4DB2-BD59-A6C34878D82A}">
+                    <a16:rowId xmlns:a16="http://schemas.microsoft.com/office/drawing/2014/main" val="1359906957"/>
+                  </a:ext>
+                </a:extLst>
+              </a:tr>
+              <a:tr h="225741">
+                <a:tc>
+                  <a:txBody>
+                    <a:bodyPr/>
+                    <a:lstStyle/>
+                    <a:p>
+                      <a:pPr algn="just" fontAlgn="t"/>
+                      <a:r>
+                        <a:rPr lang="en-GB" sz="2000" u="none" strike="noStrike" dirty="0" err="1">
+                          <a:effectLst/>
+                          <a:hlinkClick r:id="rId3"/>
+                        </a:rPr>
+                        <a:t>isDigit</a:t>
+                      </a:r>
+                      <a:r>
+                        <a:rPr lang="en-GB" sz="2000" u="none" strike="noStrike" dirty="0">
+                          <a:effectLst/>
+                          <a:hlinkClick r:id="rId3"/>
+                        </a:rPr>
+                        <a:t>()</a:t>
+                      </a:r>
+                      <a:endParaRPr lang="en-GB" sz="2000" dirty="0">
+                        <a:solidFill>
+                          <a:srgbClr val="000000"/>
+                        </a:solidFill>
+                        <a:effectLst/>
+                      </a:endParaRPr>
+                    </a:p>
+                  </a:txBody>
+                  <a:tcPr marL="41679" marR="41679" marT="41679" marB="41679"/>
+                </a:tc>
+                <a:tc>
+                  <a:txBody>
+                    <a:bodyPr/>
+                    <a:lstStyle/>
+                    <a:p>
+                      <a:pPr algn="just" fontAlgn="t"/>
+                      <a:r>
+                        <a:rPr lang="en-GB" sz="2000" dirty="0">
+                          <a:effectLst/>
+                        </a:rPr>
+                        <a:t>Determines whether the specified char value is a digit.</a:t>
+                      </a:r>
+                      <a:endParaRPr lang="en-GB" sz="2000" dirty="0">
+                        <a:solidFill>
+                          <a:srgbClr val="000000"/>
+                        </a:solidFill>
+                        <a:effectLst/>
+                      </a:endParaRPr>
+                    </a:p>
+                  </a:txBody>
+                  <a:tcPr marL="41679" marR="41679" marT="41679" marB="41679"/>
+                </a:tc>
+                <a:extLst>
+                  <a:ext uri="{0D108BD9-81ED-4DB2-BD59-A6C34878D82A}">
+                    <a16:rowId xmlns:a16="http://schemas.microsoft.com/office/drawing/2014/main" val="3760295433"/>
+                  </a:ext>
+                </a:extLst>
+              </a:tr>
+              <a:tr h="225741">
+                <a:tc>
+                  <a:txBody>
+                    <a:bodyPr/>
+                    <a:lstStyle/>
+                    <a:p>
+                      <a:pPr algn="just" fontAlgn="t"/>
+                      <a:r>
+                        <a:rPr lang="en-GB" sz="2000" u="none" strike="noStrike" dirty="0" err="1">
+                          <a:effectLst/>
+                          <a:hlinkClick r:id="rId4"/>
+                        </a:rPr>
+                        <a:t>isWhitespace</a:t>
+                      </a:r>
+                      <a:r>
+                        <a:rPr lang="en-GB" sz="2000" u="none" strike="noStrike" dirty="0">
+                          <a:effectLst/>
+                          <a:hlinkClick r:id="rId4"/>
+                        </a:rPr>
+                        <a:t>()</a:t>
+                      </a:r>
+                      <a:endParaRPr lang="en-GB" sz="2000" dirty="0">
+                        <a:solidFill>
+                          <a:srgbClr val="000000"/>
+                        </a:solidFill>
+                        <a:effectLst/>
+                      </a:endParaRPr>
+                    </a:p>
+                  </a:txBody>
+                  <a:tcPr marL="41679" marR="41679" marT="41679" marB="41679"/>
+                </a:tc>
+                <a:tc>
+                  <a:txBody>
+                    <a:bodyPr/>
+                    <a:lstStyle/>
+                    <a:p>
+                      <a:pPr algn="just" fontAlgn="t"/>
+                      <a:r>
+                        <a:rPr lang="en-GB" sz="2000" dirty="0">
+                          <a:effectLst/>
+                        </a:rPr>
+                        <a:t>Determines whether the specified char value is white space.</a:t>
+                      </a:r>
+                      <a:endParaRPr lang="en-GB" sz="2000" dirty="0">
+                        <a:solidFill>
+                          <a:srgbClr val="000000"/>
+                        </a:solidFill>
+                        <a:effectLst/>
+                      </a:endParaRPr>
+                    </a:p>
+                  </a:txBody>
+                  <a:tcPr marL="41679" marR="41679" marT="41679" marB="41679"/>
+                </a:tc>
+                <a:extLst>
+                  <a:ext uri="{0D108BD9-81ED-4DB2-BD59-A6C34878D82A}">
+                    <a16:rowId xmlns:a16="http://schemas.microsoft.com/office/drawing/2014/main" val="2982900319"/>
+                  </a:ext>
+                </a:extLst>
+              </a:tr>
+              <a:tr h="225741">
+                <a:tc>
+                  <a:txBody>
+                    <a:bodyPr/>
+                    <a:lstStyle/>
+                    <a:p>
+                      <a:pPr algn="just" fontAlgn="t"/>
+                      <a:r>
+                        <a:rPr lang="en-GB" sz="2000" u="sng" dirty="0" err="1">
+                          <a:solidFill>
+                            <a:srgbClr val="000000"/>
+                          </a:solidFill>
+                          <a:effectLst/>
+                        </a:rPr>
+                        <a:t>isLetterOrDigit</a:t>
+                      </a:r>
+                      <a:r>
+                        <a:rPr lang="en-GB" sz="2000" u="sng" dirty="0">
+                          <a:solidFill>
+                            <a:srgbClr val="000000"/>
+                          </a:solidFill>
+                          <a:effectLst/>
+                        </a:rPr>
+                        <a:t>()</a:t>
+                      </a:r>
+                    </a:p>
+                  </a:txBody>
+                  <a:tcPr marL="41679" marR="41679" marT="41679" marB="41679"/>
+                </a:tc>
+                <a:tc>
+                  <a:txBody>
+                    <a:bodyPr/>
+                    <a:lstStyle/>
+                    <a:p>
+                      <a:pPr algn="just" fontAlgn="t"/>
+                      <a:r>
+                        <a:rPr lang="en-GB" sz="2000" dirty="0">
+                          <a:effectLst/>
+                        </a:rPr>
+                        <a:t>Determines whether the specified char value is either a letter or digit.</a:t>
+                      </a:r>
+                      <a:endParaRPr lang="en-GB" sz="2000" dirty="0">
+                        <a:solidFill>
+                          <a:srgbClr val="000000"/>
+                        </a:solidFill>
+                        <a:effectLst/>
+                      </a:endParaRPr>
+                    </a:p>
+                  </a:txBody>
+                  <a:tcPr marL="41679" marR="41679" marT="41679" marB="41679"/>
+                </a:tc>
+                <a:extLst>
+                  <a:ext uri="{0D108BD9-81ED-4DB2-BD59-A6C34878D82A}">
+                    <a16:rowId xmlns:a16="http://schemas.microsoft.com/office/drawing/2014/main" val="2907323182"/>
+                  </a:ext>
+                </a:extLst>
+              </a:tr>
+              <a:tr h="225741">
+                <a:tc>
+                  <a:txBody>
+                    <a:bodyPr/>
+                    <a:lstStyle/>
+                    <a:p>
+                      <a:pPr algn="just" fontAlgn="t"/>
+                      <a:r>
+                        <a:rPr lang="en-GB" sz="2000" u="none" strike="noStrike" dirty="0" err="1">
+                          <a:effectLst/>
+                          <a:hlinkClick r:id="rId5"/>
+                        </a:rPr>
+                        <a:t>isUpperCase</a:t>
+                      </a:r>
+                      <a:r>
+                        <a:rPr lang="en-GB" sz="2000" u="none" strike="noStrike" dirty="0">
+                          <a:effectLst/>
+                          <a:hlinkClick r:id="rId5"/>
+                        </a:rPr>
+                        <a:t>()</a:t>
+                      </a:r>
+                      <a:endParaRPr lang="en-GB" sz="2000" dirty="0">
+                        <a:solidFill>
+                          <a:srgbClr val="000000"/>
+                        </a:solidFill>
+                        <a:effectLst/>
+                      </a:endParaRPr>
+                    </a:p>
+                  </a:txBody>
+                  <a:tcPr marL="41679" marR="41679" marT="41679" marB="41679"/>
+                </a:tc>
+                <a:tc>
+                  <a:txBody>
+                    <a:bodyPr/>
+                    <a:lstStyle/>
+                    <a:p>
+                      <a:pPr algn="just" fontAlgn="t"/>
+                      <a:r>
+                        <a:rPr lang="en-GB" sz="2000" dirty="0">
+                          <a:effectLst/>
+                        </a:rPr>
+                        <a:t>Determines whether the specified char value is uppercase.</a:t>
+                      </a:r>
+                      <a:endParaRPr lang="en-GB" sz="2000" dirty="0">
+                        <a:solidFill>
+                          <a:srgbClr val="000000"/>
+                        </a:solidFill>
+                        <a:effectLst/>
+                      </a:endParaRPr>
+                    </a:p>
+                  </a:txBody>
+                  <a:tcPr marL="41679" marR="41679" marT="41679" marB="41679"/>
+                </a:tc>
+                <a:extLst>
+                  <a:ext uri="{0D108BD9-81ED-4DB2-BD59-A6C34878D82A}">
+                    <a16:rowId xmlns:a16="http://schemas.microsoft.com/office/drawing/2014/main" val="1202568483"/>
+                  </a:ext>
+                </a:extLst>
+              </a:tr>
+              <a:tr h="225741">
+                <a:tc>
+                  <a:txBody>
+                    <a:bodyPr/>
+                    <a:lstStyle/>
+                    <a:p>
+                      <a:pPr algn="just" fontAlgn="t"/>
+                      <a:r>
+                        <a:rPr lang="en-GB" sz="2000" u="none" strike="noStrike" dirty="0" err="1">
+                          <a:effectLst/>
+                          <a:hlinkClick r:id="rId6"/>
+                        </a:rPr>
+                        <a:t>isLowerCase</a:t>
+                      </a:r>
+                      <a:r>
+                        <a:rPr lang="en-GB" sz="2000" u="none" strike="noStrike" dirty="0">
+                          <a:effectLst/>
+                          <a:hlinkClick r:id="rId6"/>
+                        </a:rPr>
+                        <a:t>()</a:t>
+                      </a:r>
+                      <a:endParaRPr lang="en-GB" sz="2000" dirty="0">
+                        <a:solidFill>
+                          <a:srgbClr val="000000"/>
+                        </a:solidFill>
+                        <a:effectLst/>
+                      </a:endParaRPr>
+                    </a:p>
+                  </a:txBody>
+                  <a:tcPr marL="41679" marR="41679" marT="41679" marB="41679"/>
+                </a:tc>
+                <a:tc>
+                  <a:txBody>
+                    <a:bodyPr/>
+                    <a:lstStyle/>
+                    <a:p>
+                      <a:pPr algn="just" fontAlgn="t"/>
+                      <a:r>
+                        <a:rPr lang="en-GB" sz="2000" dirty="0">
+                          <a:effectLst/>
+                        </a:rPr>
+                        <a:t>Determines whether the specified char value is lowercase.</a:t>
+                      </a:r>
+                      <a:endParaRPr lang="en-GB" sz="2000" dirty="0">
+                        <a:solidFill>
+                          <a:srgbClr val="000000"/>
+                        </a:solidFill>
+                        <a:effectLst/>
+                      </a:endParaRPr>
+                    </a:p>
+                  </a:txBody>
+                  <a:tcPr marL="41679" marR="41679" marT="41679" marB="41679"/>
+                </a:tc>
+                <a:extLst>
+                  <a:ext uri="{0D108BD9-81ED-4DB2-BD59-A6C34878D82A}">
+                    <a16:rowId xmlns:a16="http://schemas.microsoft.com/office/drawing/2014/main" val="2575706715"/>
+                  </a:ext>
+                </a:extLst>
+              </a:tr>
+              <a:tr h="225741">
+                <a:tc>
+                  <a:txBody>
+                    <a:bodyPr/>
+                    <a:lstStyle/>
+                    <a:p>
+                      <a:pPr algn="just" fontAlgn="t"/>
+                      <a:r>
+                        <a:rPr lang="en-GB" sz="2000" u="none" strike="noStrike" dirty="0" err="1">
+                          <a:effectLst/>
+                          <a:hlinkClick r:id="rId7"/>
+                        </a:rPr>
+                        <a:t>toUpperCase</a:t>
+                      </a:r>
+                      <a:r>
+                        <a:rPr lang="en-GB" sz="2000" u="none" strike="noStrike" dirty="0">
+                          <a:effectLst/>
+                          <a:hlinkClick r:id="rId7"/>
+                        </a:rPr>
+                        <a:t>()</a:t>
+                      </a:r>
+                      <a:endParaRPr lang="en-GB" sz="2000" dirty="0">
+                        <a:solidFill>
+                          <a:srgbClr val="000000"/>
+                        </a:solidFill>
+                        <a:effectLst/>
+                      </a:endParaRPr>
+                    </a:p>
+                  </a:txBody>
+                  <a:tcPr marL="41679" marR="41679" marT="41679" marB="41679"/>
+                </a:tc>
+                <a:tc>
+                  <a:txBody>
+                    <a:bodyPr/>
+                    <a:lstStyle/>
+                    <a:p>
+                      <a:pPr algn="just" fontAlgn="t"/>
+                      <a:r>
+                        <a:rPr lang="en-GB" sz="2000" dirty="0">
+                          <a:effectLst/>
+                        </a:rPr>
+                        <a:t>Returns the uppercase form of the specified char value.</a:t>
+                      </a:r>
+                      <a:endParaRPr lang="en-GB" sz="2000" dirty="0">
+                        <a:solidFill>
+                          <a:srgbClr val="000000"/>
+                        </a:solidFill>
+                        <a:effectLst/>
+                      </a:endParaRPr>
+                    </a:p>
+                  </a:txBody>
+                  <a:tcPr marL="41679" marR="41679" marT="41679" marB="41679"/>
+                </a:tc>
+                <a:extLst>
+                  <a:ext uri="{0D108BD9-81ED-4DB2-BD59-A6C34878D82A}">
+                    <a16:rowId xmlns:a16="http://schemas.microsoft.com/office/drawing/2014/main" val="4008773031"/>
+                  </a:ext>
+                </a:extLst>
+              </a:tr>
+              <a:tr h="225741">
+                <a:tc>
+                  <a:txBody>
+                    <a:bodyPr/>
+                    <a:lstStyle/>
+                    <a:p>
+                      <a:pPr algn="just" fontAlgn="t"/>
+                      <a:r>
+                        <a:rPr lang="en-GB" sz="2000" u="none" strike="noStrike" dirty="0" err="1">
+                          <a:effectLst/>
+                          <a:hlinkClick r:id="rId8"/>
+                        </a:rPr>
+                        <a:t>toLowerCase</a:t>
+                      </a:r>
+                      <a:r>
+                        <a:rPr lang="en-GB" sz="2000" u="none" strike="noStrike" dirty="0">
+                          <a:effectLst/>
+                          <a:hlinkClick r:id="rId8"/>
+                        </a:rPr>
+                        <a:t>()</a:t>
+                      </a:r>
+                      <a:endParaRPr lang="en-GB" sz="2000" dirty="0">
+                        <a:solidFill>
+                          <a:srgbClr val="000000"/>
+                        </a:solidFill>
+                        <a:effectLst/>
+                      </a:endParaRPr>
+                    </a:p>
+                  </a:txBody>
+                  <a:tcPr marL="41679" marR="41679" marT="41679" marB="41679"/>
+                </a:tc>
+                <a:tc>
+                  <a:txBody>
+                    <a:bodyPr/>
+                    <a:lstStyle/>
+                    <a:p>
+                      <a:pPr algn="just" fontAlgn="t"/>
+                      <a:r>
+                        <a:rPr lang="en-GB" sz="2000" dirty="0">
+                          <a:effectLst/>
+                        </a:rPr>
+                        <a:t>Returns the lowercase form of the specified char value.</a:t>
+                      </a:r>
+                      <a:endParaRPr lang="en-GB" sz="2000" dirty="0">
+                        <a:solidFill>
+                          <a:srgbClr val="000000"/>
+                        </a:solidFill>
+                        <a:effectLst/>
+                      </a:endParaRPr>
+                    </a:p>
+                  </a:txBody>
+                  <a:tcPr marL="41679" marR="41679" marT="41679" marB="41679"/>
+                </a:tc>
+                <a:extLst>
+                  <a:ext uri="{0D108BD9-81ED-4DB2-BD59-A6C34878D82A}">
+                    <a16:rowId xmlns:a16="http://schemas.microsoft.com/office/drawing/2014/main" val="4229172573"/>
+                  </a:ext>
+                </a:extLst>
+              </a:tr>
+              <a:tr h="225741">
+                <a:tc>
+                  <a:txBody>
+                    <a:bodyPr/>
+                    <a:lstStyle/>
+                    <a:p>
+                      <a:pPr algn="just" fontAlgn="t"/>
+                      <a:r>
+                        <a:rPr lang="en-GB" sz="2000" u="none" strike="noStrike" dirty="0" err="1">
+                          <a:effectLst/>
+                          <a:hlinkClick r:id="rId9"/>
+                        </a:rPr>
+                        <a:t>toString</a:t>
+                      </a:r>
+                      <a:r>
+                        <a:rPr lang="en-GB" sz="2000" u="none" strike="noStrike" dirty="0">
+                          <a:effectLst/>
+                          <a:hlinkClick r:id="rId9"/>
+                        </a:rPr>
+                        <a:t>()</a:t>
+                      </a:r>
+                      <a:endParaRPr lang="en-GB" sz="2000" dirty="0">
+                        <a:solidFill>
+                          <a:srgbClr val="000000"/>
+                        </a:solidFill>
+                        <a:effectLst/>
+                      </a:endParaRPr>
+                    </a:p>
+                  </a:txBody>
+                  <a:tcPr marL="41679" marR="41679" marT="41679" marB="41679"/>
+                </a:tc>
+                <a:tc>
+                  <a:txBody>
+                    <a:bodyPr/>
+                    <a:lstStyle/>
+                    <a:p>
+                      <a:pPr algn="just" fontAlgn="t"/>
+                      <a:r>
+                        <a:rPr lang="en-GB" sz="2000" dirty="0">
+                          <a:effectLst/>
+                        </a:rPr>
+                        <a:t>Returns a String object representing the specified character value that is, a one-character string.</a:t>
+                      </a:r>
+                      <a:endParaRPr lang="en-GB" sz="2000" dirty="0">
+                        <a:solidFill>
+                          <a:srgbClr val="000000"/>
+                        </a:solidFill>
+                        <a:effectLst/>
+                      </a:endParaRPr>
+                    </a:p>
+                  </a:txBody>
+                  <a:tcPr marL="41679" marR="41679" marT="41679" marB="41679"/>
+                </a:tc>
+                <a:extLst>
+                  <a:ext uri="{0D108BD9-81ED-4DB2-BD59-A6C34878D82A}">
+                    <a16:rowId xmlns:a16="http://schemas.microsoft.com/office/drawing/2014/main" val="2254238903"/>
+                  </a:ext>
+                </a:extLst>
+              </a:tr>
+            </a:tbl>
+          </a:graphicData>
+        </a:graphic>
+      </p:graphicFrame>
+    </p:spTree>
+    <p:extLst>
+      <p:ext uri="{BB962C8B-B14F-4D97-AF65-F5344CB8AC3E}">
+        <p14:creationId xmlns:p14="http://schemas.microsoft.com/office/powerpoint/2010/main" val="742287574"/>
+      </p:ext>
+    </p:extLst>
+  </p:cSld>
+  <p:clrMapOvr>
+    <a:masterClrMapping/>
+  </p:clrMapOvr>
+</p:sld>
+</file>
+
 <file path=ppt/theme/theme1.xml><?xml version="1.0" encoding="utf-8"?>
 <a:theme xmlns:a="http://schemas.openxmlformats.org/drawingml/2006/main" name="Office Theme">
   <a:themeElements>
@@ -4009,9 +4664,12 @@
 </file>
 
 <file path=customXml/item1.xml><?xml version="1.0" encoding="utf-8"?>
-<p:properties xmlns:p="http://schemas.microsoft.com/office/2006/metadata/properties" xmlns:xsi="http://www.w3.org/2001/XMLSchema-instance" xmlns:pc="http://schemas.microsoft.com/office/infopath/2007/PartnerControls">
-  <documentManagement/>
-</p:properties>
+<?mso-contentType ?>
+<FormTemplates xmlns="http://schemas.microsoft.com/sharepoint/v3/contenttype/forms">
+  <Display>DocumentLibraryForm</Display>
+  <Edit>DocumentLibraryForm</Edit>
+  <New>DocumentLibraryForm</New>
+</FormTemplates>
 </file>
 
 <file path=customXml/item2.xml><?xml version="1.0" encoding="utf-8"?>
@@ -4252,27 +4910,15 @@
 </file>
 
 <file path=customXml/item3.xml><?xml version="1.0" encoding="utf-8"?>
-<?mso-contentType ?>
-<FormTemplates xmlns="http://schemas.microsoft.com/sharepoint/v3/contenttype/forms">
-  <Display>DocumentLibraryForm</Display>
-  <Edit>DocumentLibraryForm</Edit>
-  <New>DocumentLibraryForm</New>
-</FormTemplates>
+<p:properties xmlns:p="http://schemas.microsoft.com/office/2006/metadata/properties" xmlns:xsi="http://www.w3.org/2001/XMLSchema-instance" xmlns:pc="http://schemas.microsoft.com/office/infopath/2007/PartnerControls">
+  <documentManagement/>
+</p:properties>
 </file>
 
 <file path=customXml/itemProps1.xml><?xml version="1.0" encoding="utf-8"?>
-<ds:datastoreItem xmlns:ds="http://schemas.openxmlformats.org/officeDocument/2006/customXml" ds:itemID="{F69ED5F8-608B-489A-BDCF-C856FF183B36}">
+<ds:datastoreItem xmlns:ds="http://schemas.openxmlformats.org/officeDocument/2006/customXml" ds:itemID="{8D04D959-D2B4-44F5-8E85-2D3B6F3F223E}">
   <ds:schemaRefs>
-    <ds:schemaRef ds:uri="http://purl.org/dc/terms/"/>
-    <ds:schemaRef ds:uri="http://schemas.microsoft.com/office/2006/metadata/properties"/>
-    <ds:schemaRef ds:uri="http://schemas.microsoft.com/office/infopath/2007/PartnerControls"/>
-    <ds:schemaRef ds:uri="http://www.w3.org/XML/1998/namespace"/>
-    <ds:schemaRef ds:uri="bd44e2ee-3c8b-430e-a5d4-7c9e45a5e279"/>
-    <ds:schemaRef ds:uri="http://schemas.microsoft.com/office/2006/documentManagement/types"/>
-    <ds:schemaRef ds:uri="9f712a78-d248-4d8e-9efc-913250726f4d"/>
-    <ds:schemaRef ds:uri="http://purl.org/dc/dcmitype/"/>
-    <ds:schemaRef ds:uri="http://schemas.openxmlformats.org/package/2006/metadata/core-properties"/>
-    <ds:schemaRef ds:uri="http://purl.org/dc/elements/1.1/"/>
+    <ds:schemaRef ds:uri="http://schemas.microsoft.com/sharepoint/v3/contenttype/forms"/>
   </ds:schemaRefs>
 </ds:datastoreItem>
 </file>
@@ -4297,9 +4943,18 @@
 </file>
 
 <file path=customXml/itemProps3.xml><?xml version="1.0" encoding="utf-8"?>
-<ds:datastoreItem xmlns:ds="http://schemas.openxmlformats.org/officeDocument/2006/customXml" ds:itemID="{8D04D959-D2B4-44F5-8E85-2D3B6F3F223E}">
+<ds:datastoreItem xmlns:ds="http://schemas.openxmlformats.org/officeDocument/2006/customXml" ds:itemID="{F69ED5F8-608B-489A-BDCF-C856FF183B36}">
   <ds:schemaRefs>
-    <ds:schemaRef ds:uri="http://schemas.microsoft.com/sharepoint/v3/contenttype/forms"/>
+    <ds:schemaRef ds:uri="http://purl.org/dc/terms/"/>
+    <ds:schemaRef ds:uri="http://schemas.microsoft.com/office/2006/metadata/properties"/>
+    <ds:schemaRef ds:uri="http://schemas.microsoft.com/office/infopath/2007/PartnerControls"/>
+    <ds:schemaRef ds:uri="http://www.w3.org/XML/1998/namespace"/>
+    <ds:schemaRef ds:uri="bd44e2ee-3c8b-430e-a5d4-7c9e45a5e279"/>
+    <ds:schemaRef ds:uri="http://schemas.microsoft.com/office/2006/documentManagement/types"/>
+    <ds:schemaRef ds:uri="9f712a78-d248-4d8e-9efc-913250726f4d"/>
+    <ds:schemaRef ds:uri="http://purl.org/dc/dcmitype/"/>
+    <ds:schemaRef ds:uri="http://schemas.openxmlformats.org/package/2006/metadata/core-properties"/>
+    <ds:schemaRef ds:uri="http://purl.org/dc/elements/1.1/"/>
   </ds:schemaRefs>
 </ds:datastoreItem>
 </file>